--- a/seminário/Busca de hazards.pptx
+++ b/seminário/Busca de hazards.pptx
@@ -12,29 +12,33 @@
     <p:sldId id="260" r:id="rId10"/>
     <p:sldId id="261" r:id="rId11"/>
     <p:sldId id="262" r:id="rId12"/>
+    <p:sldId id="263" r:id="rId13"/>
+    <p:sldId id="264" r:id="rId14"/>
+    <p:sldId id="265" r:id="rId15"/>
+    <p:sldId id="266" r:id="rId16"/>
   </p:sldIdLst>
   <p:sldSz cx="18288000" cy="10287000"/>
   <p:notesSz cx="6858000" cy="9144000"/>
   <p:embeddedFontLst>
     <p:embeddedFont>
       <p:font typeface="Anonymous Pro Bold" charset="1" panose="02060809030202000504"/>
-      <p:regular r:id="rId13"/>
+      <p:regular r:id="rId17"/>
     </p:embeddedFont>
     <p:embeddedFont>
       <p:font typeface="Clear Sans" charset="1" panose="020B0503030202020304"/>
-      <p:regular r:id="rId14"/>
+      <p:regular r:id="rId18"/>
     </p:embeddedFont>
     <p:embeddedFont>
       <p:font typeface="Clear Sans Thin" charset="1" panose="020B0203030202020304"/>
-      <p:regular r:id="rId15"/>
+      <p:regular r:id="rId19"/>
     </p:embeddedFont>
     <p:embeddedFont>
       <p:font typeface="Clear Sans Light" charset="1" panose="020B0303030202020304"/>
-      <p:regular r:id="rId16"/>
+      <p:regular r:id="rId20"/>
     </p:embeddedFont>
     <p:embeddedFont>
       <p:font typeface="Clear Sans Bold" charset="1" panose="020B0803030202020304"/>
-      <p:regular r:id="rId17"/>
+      <p:regular r:id="rId21"/>
     </p:embeddedFont>
   </p:embeddedFontLst>
   <p:defaultTextStyle>
@@ -3384,6 +3388,620 @@
 </p:sld>
 </file>
 
+<file path=ppt/slides/slide10.xml><?xml version="1.0" encoding="utf-8"?>
+<p:sld xmlns:p="http://schemas.openxmlformats.org/presentationml/2006/main" xmlns:a="http://schemas.openxmlformats.org/drawingml/2006/main" xmlns:r="http://schemas.openxmlformats.org/officeDocument/2006/relationships">
+  <p:cSld>
+    <p:bg>
+      <p:bgPr>
+        <a:solidFill>
+          <a:srgbClr val="FBF6F3"/>
+        </a:solidFill>
+      </p:bgPr>
+    </p:bg>
+    <p:spTree>
+      <p:nvGrpSpPr>
+        <p:cNvPr id="1" name=""/>
+        <p:cNvGrpSpPr/>
+        <p:nvPr/>
+      </p:nvGrpSpPr>
+      <p:grpSpPr>
+        <a:xfrm>
+          <a:off x="0" y="0"/>
+          <a:ext cx="0" cy="0"/>
+          <a:chOff x="0" y="0"/>
+          <a:chExt cx="0" cy="0"/>
+        </a:xfrm>
+      </p:grpSpPr>
+      <p:sp>
+        <p:nvSpPr>
+          <p:cNvPr name="Freeform 2" id="2"/>
+          <p:cNvSpPr/>
+          <p:nvPr/>
+        </p:nvSpPr>
+        <p:spPr>
+          <a:xfrm flipH="false" flipV="false" rot="0">
+            <a:off x="1028700" y="1028700"/>
+            <a:ext cx="10983817" cy="8229600"/>
+          </a:xfrm>
+          <a:custGeom>
+            <a:avLst/>
+            <a:gdLst/>
+            <a:ahLst/>
+            <a:cxnLst/>
+            <a:rect r="r" b="b" t="t" l="l"/>
+            <a:pathLst>
+              <a:path h="8229600" w="10983817">
+                <a:moveTo>
+                  <a:pt x="0" y="0"/>
+                </a:moveTo>
+                <a:lnTo>
+                  <a:pt x="10983817" y="0"/>
+                </a:lnTo>
+                <a:lnTo>
+                  <a:pt x="10983817" y="8229600"/>
+                </a:lnTo>
+                <a:lnTo>
+                  <a:pt x="0" y="8229600"/>
+                </a:lnTo>
+                <a:lnTo>
+                  <a:pt x="0" y="0"/>
+                </a:lnTo>
+                <a:close/>
+              </a:path>
+            </a:pathLst>
+          </a:custGeom>
+          <a:blipFill>
+            <a:blip r:embed="rId2"/>
+            <a:stretch>
+              <a:fillRect l="0" t="0" r="0" b="0"/>
+            </a:stretch>
+          </a:blipFill>
+        </p:spPr>
+      </p:sp>
+      <p:grpSp>
+        <p:nvGrpSpPr>
+          <p:cNvPr name="Group 3" id="3"/>
+          <p:cNvGrpSpPr/>
+          <p:nvPr/>
+        </p:nvGrpSpPr>
+        <p:grpSpPr>
+          <a:xfrm rot="0">
+            <a:off x="12198300" y="3258988"/>
+            <a:ext cx="5854484" cy="3769024"/>
+            <a:chOff x="0" y="0"/>
+            <a:chExt cx="1541922" cy="992665"/>
+          </a:xfrm>
+        </p:grpSpPr>
+        <p:sp>
+          <p:nvSpPr>
+            <p:cNvPr name="Freeform 4" id="4"/>
+            <p:cNvSpPr/>
+            <p:nvPr/>
+          </p:nvSpPr>
+          <p:spPr>
+            <a:xfrm flipH="false" flipV="false" rot="0">
+              <a:off x="0" y="0"/>
+              <a:ext cx="1541922" cy="992665"/>
+            </a:xfrm>
+            <a:custGeom>
+              <a:avLst/>
+              <a:gdLst/>
+              <a:ahLst/>
+              <a:cxnLst/>
+              <a:rect r="r" b="b" t="t" l="l"/>
+              <a:pathLst>
+                <a:path h="992665" w="1541922">
+                  <a:moveTo>
+                    <a:pt x="67442" y="0"/>
+                  </a:moveTo>
+                  <a:lnTo>
+                    <a:pt x="1474480" y="0"/>
+                  </a:lnTo>
+                  <a:cubicBezTo>
+                    <a:pt x="1511727" y="0"/>
+                    <a:pt x="1541922" y="30195"/>
+                    <a:pt x="1541922" y="67442"/>
+                  </a:cubicBezTo>
+                  <a:lnTo>
+                    <a:pt x="1541922" y="925223"/>
+                  </a:lnTo>
+                  <a:cubicBezTo>
+                    <a:pt x="1541922" y="962470"/>
+                    <a:pt x="1511727" y="992665"/>
+                    <a:pt x="1474480" y="992665"/>
+                  </a:cubicBezTo>
+                  <a:lnTo>
+                    <a:pt x="67442" y="992665"/>
+                  </a:lnTo>
+                  <a:cubicBezTo>
+                    <a:pt x="30195" y="992665"/>
+                    <a:pt x="0" y="962470"/>
+                    <a:pt x="0" y="925223"/>
+                  </a:cubicBezTo>
+                  <a:lnTo>
+                    <a:pt x="0" y="67442"/>
+                  </a:lnTo>
+                  <a:cubicBezTo>
+                    <a:pt x="0" y="30195"/>
+                    <a:pt x="30195" y="0"/>
+                    <a:pt x="67442" y="0"/>
+                  </a:cubicBezTo>
+                  <a:close/>
+                </a:path>
+              </a:pathLst>
+            </a:custGeom>
+            <a:solidFill>
+              <a:srgbClr val="595756"/>
+            </a:solidFill>
+          </p:spPr>
+        </p:sp>
+        <p:sp>
+          <p:nvSpPr>
+            <p:cNvPr name="TextBox 5" id="5"/>
+            <p:cNvSpPr txBox="true"/>
+            <p:nvPr/>
+          </p:nvSpPr>
+          <p:spPr>
+            <a:xfrm>
+              <a:off x="0" y="-85725"/>
+              <a:ext cx="1541922" cy="1078390"/>
+            </a:xfrm>
+            <a:prstGeom prst="rect">
+              <a:avLst/>
+            </a:prstGeom>
+          </p:spPr>
+          <p:txBody>
+            <a:bodyPr anchor="ctr" rtlCol="false" tIns="50800" lIns="50800" bIns="50800" rIns="50800"/>
+            <a:lstStyle/>
+            <a:p>
+              <a:pPr algn="ctr">
+                <a:lnSpc>
+                  <a:spcPts val="4072"/>
+                </a:lnSpc>
+              </a:pPr>
+            </a:p>
+          </p:txBody>
+        </p:sp>
+      </p:grpSp>
+      <p:sp>
+        <p:nvSpPr>
+          <p:cNvPr name="TextBox 6" id="6"/>
+          <p:cNvSpPr txBox="true"/>
+          <p:nvPr/>
+        </p:nvSpPr>
+        <p:spPr>
+          <a:xfrm rot="0">
+            <a:off x="12485732" y="3770631"/>
+            <a:ext cx="5279620" cy="2555239"/>
+          </a:xfrm>
+          <a:prstGeom prst="rect">
+            <a:avLst/>
+          </a:prstGeom>
+        </p:spPr>
+        <p:txBody>
+          <a:bodyPr anchor="t" rtlCol="false" tIns="0" lIns="0" bIns="0" rIns="0">
+            <a:spAutoFit/>
+          </a:bodyPr>
+          <a:lstStyle/>
+          <a:p>
+            <a:pPr algn="l">
+              <a:lnSpc>
+                <a:spcPts val="5200"/>
+              </a:lnSpc>
+            </a:pPr>
+            <a:r>
+              <a:rPr lang="en-US" sz="2600">
+                <a:solidFill>
+                  <a:srgbClr val="FBF6F3"/>
+                </a:solidFill>
+                <a:latin typeface="Clear Sans"/>
+                <a:ea typeface="Clear Sans"/>
+                <a:cs typeface="Clear Sans"/>
+                <a:sym typeface="Clear Sans"/>
+              </a:rPr>
+              <a:t>Nó 'E' tem predecessores: ['D']</a:t>
+            </a:r>
+          </a:p>
+          <a:p>
+            <a:pPr algn="l">
+              <a:lnSpc>
+                <a:spcPts val="5200"/>
+              </a:lnSpc>
+            </a:pPr>
+            <a:r>
+              <a:rPr lang="en-US" sz="2600">
+                <a:solidFill>
+                  <a:srgbClr val="FBF6F3"/>
+                </a:solidFill>
+                <a:latin typeface="Clear Sans"/>
+                <a:ea typeface="Clear Sans"/>
+                <a:cs typeface="Clear Sans"/>
+                <a:sym typeface="Clear Sans"/>
+              </a:rPr>
+              <a:t>Nenhum hazard encontrado para o nó 'E'.</a:t>
+            </a:r>
+          </a:p>
+          <a:p>
+            <a:pPr algn="l">
+              <a:lnSpc>
+                <a:spcPts val="5200"/>
+              </a:lnSpc>
+            </a:pPr>
+          </a:p>
+        </p:txBody>
+      </p:sp>
+    </p:spTree>
+  </p:cSld>
+  <p:clrMapOvr>
+    <a:masterClrMapping/>
+  </p:clrMapOvr>
+</p:sld>
+</file>
+
+<file path=ppt/slides/slide11.xml><?xml version="1.0" encoding="utf-8"?>
+<p:sld xmlns:p="http://schemas.openxmlformats.org/presentationml/2006/main" xmlns:a="http://schemas.openxmlformats.org/drawingml/2006/main" xmlns:r="http://schemas.openxmlformats.org/officeDocument/2006/relationships">
+  <p:cSld>
+    <p:bg>
+      <p:bgPr>
+        <a:solidFill>
+          <a:srgbClr val="FBF6F3"/>
+        </a:solidFill>
+      </p:bgPr>
+    </p:bg>
+    <p:spTree>
+      <p:nvGrpSpPr>
+        <p:cNvPr id="1" name=""/>
+        <p:cNvGrpSpPr/>
+        <p:nvPr/>
+      </p:nvGrpSpPr>
+      <p:grpSpPr>
+        <a:xfrm>
+          <a:off x="0" y="0"/>
+          <a:ext cx="0" cy="0"/>
+          <a:chOff x="0" y="0"/>
+          <a:chExt cx="0" cy="0"/>
+        </a:xfrm>
+      </p:grpSpPr>
+      <p:sp>
+        <p:nvSpPr>
+          <p:cNvPr name="Freeform 2" id="2"/>
+          <p:cNvSpPr/>
+          <p:nvPr/>
+        </p:nvSpPr>
+        <p:spPr>
+          <a:xfrm flipH="false" flipV="false" rot="0">
+            <a:off x="1028700" y="1028700"/>
+            <a:ext cx="10947128" cy="8229600"/>
+          </a:xfrm>
+          <a:custGeom>
+            <a:avLst/>
+            <a:gdLst/>
+            <a:ahLst/>
+            <a:cxnLst/>
+            <a:rect r="r" b="b" t="t" l="l"/>
+            <a:pathLst>
+              <a:path h="8229600" w="10947128">
+                <a:moveTo>
+                  <a:pt x="0" y="0"/>
+                </a:moveTo>
+                <a:lnTo>
+                  <a:pt x="10947128" y="0"/>
+                </a:lnTo>
+                <a:lnTo>
+                  <a:pt x="10947128" y="8229600"/>
+                </a:lnTo>
+                <a:lnTo>
+                  <a:pt x="0" y="8229600"/>
+                </a:lnTo>
+                <a:lnTo>
+                  <a:pt x="0" y="0"/>
+                </a:lnTo>
+                <a:close/>
+              </a:path>
+            </a:pathLst>
+          </a:custGeom>
+          <a:blipFill>
+            <a:blip r:embed="rId2"/>
+            <a:stretch>
+              <a:fillRect l="0" t="0" r="0" b="0"/>
+            </a:stretch>
+          </a:blipFill>
+        </p:spPr>
+      </p:sp>
+      <p:grpSp>
+        <p:nvGrpSpPr>
+          <p:cNvPr name="Group 3" id="3"/>
+          <p:cNvGrpSpPr/>
+          <p:nvPr/>
+        </p:nvGrpSpPr>
+        <p:grpSpPr>
+          <a:xfrm rot="0">
+            <a:off x="12175486" y="1028700"/>
+            <a:ext cx="5854484" cy="8229600"/>
+            <a:chOff x="0" y="0"/>
+            <a:chExt cx="1541922" cy="2167467"/>
+          </a:xfrm>
+        </p:grpSpPr>
+        <p:sp>
+          <p:nvSpPr>
+            <p:cNvPr name="Freeform 4" id="4"/>
+            <p:cNvSpPr/>
+            <p:nvPr/>
+          </p:nvSpPr>
+          <p:spPr>
+            <a:xfrm flipH="false" flipV="false" rot="0">
+              <a:off x="0" y="0"/>
+              <a:ext cx="1541922" cy="2167467"/>
+            </a:xfrm>
+            <a:custGeom>
+              <a:avLst/>
+              <a:gdLst/>
+              <a:ahLst/>
+              <a:cxnLst/>
+              <a:rect r="r" b="b" t="t" l="l"/>
+              <a:pathLst>
+                <a:path h="2167467" w="1541922">
+                  <a:moveTo>
+                    <a:pt x="67442" y="0"/>
+                  </a:moveTo>
+                  <a:lnTo>
+                    <a:pt x="1474480" y="0"/>
+                  </a:lnTo>
+                  <a:cubicBezTo>
+                    <a:pt x="1511727" y="0"/>
+                    <a:pt x="1541922" y="30195"/>
+                    <a:pt x="1541922" y="67442"/>
+                  </a:cubicBezTo>
+                  <a:lnTo>
+                    <a:pt x="1541922" y="2100025"/>
+                  </a:lnTo>
+                  <a:cubicBezTo>
+                    <a:pt x="1541922" y="2137272"/>
+                    <a:pt x="1511727" y="2167467"/>
+                    <a:pt x="1474480" y="2167467"/>
+                  </a:cubicBezTo>
+                  <a:lnTo>
+                    <a:pt x="67442" y="2167467"/>
+                  </a:lnTo>
+                  <a:cubicBezTo>
+                    <a:pt x="30195" y="2167467"/>
+                    <a:pt x="0" y="2137272"/>
+                    <a:pt x="0" y="2100025"/>
+                  </a:cubicBezTo>
+                  <a:lnTo>
+                    <a:pt x="0" y="67442"/>
+                  </a:lnTo>
+                  <a:cubicBezTo>
+                    <a:pt x="0" y="30195"/>
+                    <a:pt x="30195" y="0"/>
+                    <a:pt x="67442" y="0"/>
+                  </a:cubicBezTo>
+                  <a:close/>
+                </a:path>
+              </a:pathLst>
+            </a:custGeom>
+            <a:solidFill>
+              <a:srgbClr val="595756"/>
+            </a:solidFill>
+          </p:spPr>
+        </p:sp>
+        <p:sp>
+          <p:nvSpPr>
+            <p:cNvPr name="TextBox 5" id="5"/>
+            <p:cNvSpPr txBox="true"/>
+            <p:nvPr/>
+          </p:nvSpPr>
+          <p:spPr>
+            <a:xfrm>
+              <a:off x="0" y="-85725"/>
+              <a:ext cx="1541922" cy="2253192"/>
+            </a:xfrm>
+            <a:prstGeom prst="rect">
+              <a:avLst/>
+            </a:prstGeom>
+          </p:spPr>
+          <p:txBody>
+            <a:bodyPr anchor="ctr" rtlCol="false" tIns="50800" lIns="50800" bIns="50800" rIns="50800"/>
+            <a:lstStyle/>
+            <a:p>
+              <a:pPr algn="ctr">
+                <a:lnSpc>
+                  <a:spcPts val="4072"/>
+                </a:lnSpc>
+              </a:pPr>
+            </a:p>
+          </p:txBody>
+        </p:sp>
+      </p:grpSp>
+      <p:sp>
+        <p:nvSpPr>
+          <p:cNvPr name="TextBox 6" id="6"/>
+          <p:cNvSpPr txBox="true"/>
+          <p:nvPr/>
+        </p:nvSpPr>
+        <p:spPr>
+          <a:xfrm rot="0">
+            <a:off x="12462918" y="1638300"/>
+            <a:ext cx="5279620" cy="6781800"/>
+          </a:xfrm>
+          <a:prstGeom prst="rect">
+            <a:avLst/>
+          </a:prstGeom>
+        </p:spPr>
+        <p:txBody>
+          <a:bodyPr anchor="t" rtlCol="false" tIns="0" lIns="0" bIns="0" rIns="0">
+            <a:spAutoFit/>
+          </a:bodyPr>
+          <a:lstStyle/>
+          <a:p>
+            <a:pPr algn="l">
+              <a:lnSpc>
+                <a:spcPts val="6000"/>
+              </a:lnSpc>
+            </a:pPr>
+            <a:r>
+              <a:rPr lang="en-US" sz="3000">
+                <a:solidFill>
+                  <a:srgbClr val="FBF6F3"/>
+                </a:solidFill>
+                <a:latin typeface="Clear Sans"/>
+                <a:ea typeface="Clear Sans"/>
+                <a:cs typeface="Clear Sans"/>
+                <a:sym typeface="Clear Sans"/>
+              </a:rPr>
+              <a:t>Grafo:</a:t>
+            </a:r>
+          </a:p>
+          <a:p>
+            <a:pPr algn="l">
+              <a:lnSpc>
+                <a:spcPts val="6000"/>
+              </a:lnSpc>
+            </a:pPr>
+            <a:r>
+              <a:rPr lang="en-US" sz="3000">
+                <a:solidFill>
+                  <a:srgbClr val="FBF6F3"/>
+                </a:solidFill>
+                <a:latin typeface="Clear Sans"/>
+                <a:ea typeface="Clear Sans"/>
+                <a:cs typeface="Clear Sans"/>
+                <a:sym typeface="Clear Sans"/>
+              </a:rPr>
+              <a:t>('A', 'B')</a:t>
+            </a:r>
+          </a:p>
+          <a:p>
+            <a:pPr algn="l">
+              <a:lnSpc>
+                <a:spcPts val="6000"/>
+              </a:lnSpc>
+            </a:pPr>
+            <a:r>
+              <a:rPr lang="en-US" sz="3000">
+                <a:solidFill>
+                  <a:srgbClr val="FBF6F3"/>
+                </a:solidFill>
+                <a:latin typeface="Clear Sans"/>
+                <a:ea typeface="Clear Sans"/>
+                <a:cs typeface="Clear Sans"/>
+                <a:sym typeface="Clear Sans"/>
+              </a:rPr>
+              <a:t>('A', 'C')</a:t>
+            </a:r>
+          </a:p>
+          <a:p>
+            <a:pPr algn="l">
+              <a:lnSpc>
+                <a:spcPts val="6000"/>
+              </a:lnSpc>
+            </a:pPr>
+            <a:r>
+              <a:rPr lang="en-US" sz="3000">
+                <a:solidFill>
+                  <a:srgbClr val="FBF6F3"/>
+                </a:solidFill>
+                <a:latin typeface="Clear Sans"/>
+                <a:ea typeface="Clear Sans"/>
+                <a:cs typeface="Clear Sans"/>
+                <a:sym typeface="Clear Sans"/>
+              </a:rPr>
+              <a:t>('B', 'D')</a:t>
+            </a:r>
+          </a:p>
+          <a:p>
+            <a:pPr algn="l">
+              <a:lnSpc>
+                <a:spcPts val="6000"/>
+              </a:lnSpc>
+            </a:pPr>
+            <a:r>
+              <a:rPr lang="en-US" sz="3000">
+                <a:solidFill>
+                  <a:srgbClr val="FBF6F3"/>
+                </a:solidFill>
+                <a:latin typeface="Clear Sans"/>
+                <a:ea typeface="Clear Sans"/>
+                <a:cs typeface="Clear Sans"/>
+                <a:sym typeface="Clear Sans"/>
+              </a:rPr>
+              <a:t>('C', 'D')</a:t>
+            </a:r>
+          </a:p>
+          <a:p>
+            <a:pPr algn="l">
+              <a:lnSpc>
+                <a:spcPts val="6000"/>
+              </a:lnSpc>
+            </a:pPr>
+            <a:r>
+              <a:rPr lang="en-US" sz="3000">
+                <a:solidFill>
+                  <a:srgbClr val="FBF6F3"/>
+                </a:solidFill>
+                <a:latin typeface="Clear Sans"/>
+                <a:ea typeface="Clear Sans"/>
+                <a:cs typeface="Clear Sans"/>
+                <a:sym typeface="Clear Sans"/>
+              </a:rPr>
+              <a:t>('D', 'E')</a:t>
+            </a:r>
+          </a:p>
+          <a:p>
+            <a:pPr algn="l">
+              <a:lnSpc>
+                <a:spcPts val="6000"/>
+              </a:lnSpc>
+            </a:pPr>
+          </a:p>
+          <a:p>
+            <a:pPr algn="l">
+              <a:lnSpc>
+                <a:spcPts val="6000"/>
+              </a:lnSpc>
+            </a:pPr>
+            <a:r>
+              <a:rPr lang="en-US" sz="3000">
+                <a:solidFill>
+                  <a:srgbClr val="FBF6F3"/>
+                </a:solidFill>
+                <a:latin typeface="Clear Sans"/>
+                <a:ea typeface="Clear Sans"/>
+                <a:cs typeface="Clear Sans"/>
+                <a:sym typeface="Clear Sans"/>
+              </a:rPr>
+              <a:t>Hazards encontrados:</a:t>
+            </a:r>
+          </a:p>
+          <a:p>
+            <a:pPr algn="l">
+              <a:lnSpc>
+                <a:spcPts val="6000"/>
+              </a:lnSpc>
+            </a:pPr>
+            <a:r>
+              <a:rPr lang="en-US" sz="3000">
+                <a:solidFill>
+                  <a:srgbClr val="FBF6F3"/>
+                </a:solidFill>
+                <a:latin typeface="Clear Sans"/>
+                <a:ea typeface="Clear Sans"/>
+                <a:cs typeface="Clear Sans"/>
+                <a:sym typeface="Clear Sans"/>
+              </a:rPr>
+              <a:t>Hazard entre B e C no nó D</a:t>
+            </a:r>
+          </a:p>
+        </p:txBody>
+      </p:sp>
+    </p:spTree>
+  </p:cSld>
+  <p:clrMapOvr>
+    <a:masterClrMapping/>
+  </p:clrMapOvr>
+</p:sld>
+</file>
+
 <file path=ppt/slides/slide2.xml><?xml version="1.0" encoding="utf-8"?>
 <p:sld xmlns:p="http://schemas.openxmlformats.org/presentationml/2006/main" xmlns:a="http://schemas.openxmlformats.org/drawingml/2006/main" xmlns:r="http://schemas.openxmlformats.org/officeDocument/2006/relationships">
   <p:cSld>
@@ -3468,7 +4086,7 @@
         </p:nvSpPr>
         <p:spPr>
           <a:xfrm rot="0">
-            <a:off x="1873308" y="1019175"/>
+            <a:off x="3930286" y="1019175"/>
             <a:ext cx="10131094" cy="1228725"/>
           </a:xfrm>
           <a:prstGeom prst="rect">
@@ -3512,8 +4130,8 @@
         </p:nvSpPr>
         <p:spPr>
           <a:xfrm rot="0">
-            <a:off x="2643155" y="2698380"/>
-            <a:ext cx="9361247" cy="4017645"/>
+            <a:off x="4700133" y="2533015"/>
+            <a:ext cx="9361247" cy="1960245"/>
           </a:xfrm>
           <a:prstGeom prst="rect">
             <a:avLst/>
@@ -3542,48 +4160,6 @@
                 <a:cs typeface="Clear Sans Thin"/>
                 <a:sym typeface="Clear Sans Thin"/>
               </a:rPr>
-              <a:t>Prevenção de incidentes</a:t>
-            </a:r>
-          </a:p>
-          <a:p>
-            <a:pPr algn="just" marL="874395" indent="-437197" lvl="1">
-              <a:lnSpc>
-                <a:spcPts val="8100"/>
-              </a:lnSpc>
-              <a:buFont typeface="Arial"/>
-              <a:buChar char="•"/>
-            </a:pPr>
-            <a:r>
-              <a:rPr lang="en-US" sz="4050">
-                <a:solidFill>
-                  <a:srgbClr val="000000"/>
-                </a:solidFill>
-                <a:latin typeface="Clear Sans Thin"/>
-                <a:ea typeface="Clear Sans Thin"/>
-                <a:cs typeface="Clear Sans Thin"/>
-                <a:sym typeface="Clear Sans Thin"/>
-              </a:rPr>
-              <a:t>Melhoria da segurança</a:t>
-            </a:r>
-          </a:p>
-          <a:p>
-            <a:pPr algn="just" marL="874395" indent="-437197" lvl="1">
-              <a:lnSpc>
-                <a:spcPts val="8100"/>
-              </a:lnSpc>
-              <a:buFont typeface="Arial"/>
-              <a:buChar char="•"/>
-            </a:pPr>
-            <a:r>
-              <a:rPr lang="en-US" sz="4050">
-                <a:solidFill>
-                  <a:srgbClr val="000000"/>
-                </a:solidFill>
-                <a:latin typeface="Clear Sans Thin"/>
-                <a:ea typeface="Clear Sans Thin"/>
-                <a:cs typeface="Clear Sans Thin"/>
-                <a:sym typeface="Clear Sans Thin"/>
-              </a:rPr>
               <a:t>Otimização de recursos</a:t>
             </a:r>
           </a:p>
@@ -3605,7 +4181,7 @@
                 <a:cs typeface="Clear Sans Thin"/>
                 <a:sym typeface="Clear Sans Thin"/>
               </a:rPr>
-              <a:t>Conformidade com regulamentações</a:t>
+              <a:t>Continuação das operações</a:t>
             </a:r>
           </a:p>
         </p:txBody>
@@ -3658,6 +4234,114 @@
           </a:ln>
         </p:spPr>
       </p:sp>
+      <p:sp>
+        <p:nvSpPr>
+          <p:cNvPr name="TextBox 7" id="7"/>
+          <p:cNvSpPr txBox="true"/>
+          <p:nvPr/>
+        </p:nvSpPr>
+        <p:spPr>
+          <a:xfrm rot="0">
+            <a:off x="4078453" y="5083810"/>
+            <a:ext cx="10131094" cy="1228725"/>
+          </a:xfrm>
+          <a:prstGeom prst="rect">
+            <a:avLst/>
+          </a:prstGeom>
+        </p:spPr>
+        <p:txBody>
+          <a:bodyPr anchor="t" rtlCol="false" tIns="0" lIns="0" bIns="0" rIns="0">
+            <a:spAutoFit/>
+          </a:bodyPr>
+          <a:lstStyle/>
+          <a:p>
+            <a:pPr algn="l" marL="0" indent="0" lvl="0">
+              <a:lnSpc>
+                <a:spcPts val="9600"/>
+              </a:lnSpc>
+              <a:spcBef>
+                <a:spcPct val="0"/>
+              </a:spcBef>
+            </a:pPr>
+            <a:r>
+              <a:rPr lang="en-US" b="true" sz="8000" spc="464">
+                <a:solidFill>
+                  <a:srgbClr val="000000"/>
+                </a:solidFill>
+                <a:latin typeface="Anonymous Pro Bold"/>
+                <a:ea typeface="Anonymous Pro Bold"/>
+                <a:cs typeface="Anonymous Pro Bold"/>
+                <a:sym typeface="Anonymous Pro Bold"/>
+              </a:rPr>
+              <a:t>FRAGILIDADES</a:t>
+            </a:r>
+          </a:p>
+        </p:txBody>
+      </p:sp>
+      <p:sp>
+        <p:nvSpPr>
+          <p:cNvPr name="TextBox 8" id="8"/>
+          <p:cNvSpPr txBox="true"/>
+          <p:nvPr/>
+        </p:nvSpPr>
+        <p:spPr>
+          <a:xfrm rot="0">
+            <a:off x="4700133" y="6598285"/>
+            <a:ext cx="9361247" cy="1960245"/>
+          </a:xfrm>
+          <a:prstGeom prst="rect">
+            <a:avLst/>
+          </a:prstGeom>
+        </p:spPr>
+        <p:txBody>
+          <a:bodyPr anchor="t" rtlCol="false" tIns="0" lIns="0" bIns="0" rIns="0">
+            <a:spAutoFit/>
+          </a:bodyPr>
+          <a:lstStyle/>
+          <a:p>
+            <a:pPr algn="just" marL="874395" indent="-437197" lvl="1">
+              <a:lnSpc>
+                <a:spcPts val="8100"/>
+              </a:lnSpc>
+              <a:buFont typeface="Arial"/>
+              <a:buChar char="•"/>
+            </a:pPr>
+            <a:r>
+              <a:rPr lang="en-US" sz="4050">
+                <a:solidFill>
+                  <a:srgbClr val="000000"/>
+                </a:solidFill>
+                <a:latin typeface="Clear Sans Thin"/>
+                <a:ea typeface="Clear Sans Thin"/>
+                <a:cs typeface="Clear Sans Thin"/>
+                <a:sym typeface="Clear Sans Thin"/>
+              </a:rPr>
+              <a:t>Incompletude</a:t>
+            </a:r>
+          </a:p>
+          <a:p>
+            <a:pPr algn="just" marL="874395" indent="-437197" lvl="1">
+              <a:lnSpc>
+                <a:spcPts val="8100"/>
+              </a:lnSpc>
+              <a:buFont typeface="Arial"/>
+              <a:buChar char="•"/>
+            </a:pPr>
+            <a:r>
+              <a:rPr lang="en-US" sz="4050">
+                <a:solidFill>
+                  <a:srgbClr val="000000"/>
+                </a:solidFill>
+                <a:latin typeface="Clear Sans Thin"/>
+                <a:ea typeface="Clear Sans Thin"/>
+                <a:cs typeface="Clear Sans Thin"/>
+                <a:sym typeface="Clear Sans Thin"/>
+              </a:rPr>
+              <a:t>Falsos positivos</a:t>
+            </a:r>
+          </a:p>
+        </p:txBody>
+      </p:sp>
     </p:spTree>
   </p:cSld>
   <p:clrMapOvr>
@@ -3667,330 +4351,6 @@
 </file>
 
 <file path=ppt/slides/slide3.xml><?xml version="1.0" encoding="utf-8"?>
-<p:sld xmlns:p="http://schemas.openxmlformats.org/presentationml/2006/main" xmlns:a="http://schemas.openxmlformats.org/drawingml/2006/main" xmlns:r="http://schemas.openxmlformats.org/officeDocument/2006/relationships">
-  <p:cSld>
-    <p:bg>
-      <p:bgPr>
-        <a:solidFill>
-          <a:srgbClr val="FBF6F3"/>
-        </a:solidFill>
-      </p:bgPr>
-    </p:bg>
-    <p:spTree>
-      <p:nvGrpSpPr>
-        <p:cNvPr id="1" name=""/>
-        <p:cNvGrpSpPr/>
-        <p:nvPr/>
-      </p:nvGrpSpPr>
-      <p:grpSpPr>
-        <a:xfrm>
-          <a:off x="0" y="0"/>
-          <a:ext cx="0" cy="0"/>
-          <a:chOff x="0" y="0"/>
-          <a:chExt cx="0" cy="0"/>
-        </a:xfrm>
-      </p:grpSpPr>
-      <p:sp>
-        <p:nvSpPr>
-          <p:cNvPr name="Freeform 2" id="2"/>
-          <p:cNvSpPr/>
-          <p:nvPr/>
-        </p:nvSpPr>
-        <p:spPr>
-          <a:xfrm flipH="false" flipV="false" rot="0">
-            <a:off x="15201900" y="7239000"/>
-            <a:ext cx="4114800" cy="4114800"/>
-          </a:xfrm>
-          <a:custGeom>
-            <a:avLst/>
-            <a:gdLst/>
-            <a:ahLst/>
-            <a:cxnLst/>
-            <a:rect r="r" b="b" t="t" l="l"/>
-            <a:pathLst>
-              <a:path h="4114800" w="4114800">
-                <a:moveTo>
-                  <a:pt x="0" y="0"/>
-                </a:moveTo>
-                <a:lnTo>
-                  <a:pt x="4114800" y="0"/>
-                </a:lnTo>
-                <a:lnTo>
-                  <a:pt x="4114800" y="4114800"/>
-                </a:lnTo>
-                <a:lnTo>
-                  <a:pt x="0" y="4114800"/>
-                </a:lnTo>
-                <a:lnTo>
-                  <a:pt x="0" y="0"/>
-                </a:lnTo>
-                <a:close/>
-              </a:path>
-            </a:pathLst>
-          </a:custGeom>
-          <a:blipFill>
-            <a:blip r:embed="rId2">
-              <a:extLst>
-                <a:ext uri="{96DAC541-7B7A-43D3-8B79-37D633B846F1}">
-                  <asvg:svgBlip xmlns:asvg="http://schemas.microsoft.com/office/drawing/2016/SVG/main" r:embed="rId3"/>
-                </a:ext>
-              </a:extLst>
-            </a:blip>
-            <a:stretch>
-              <a:fillRect l="0" t="0" r="0" b="0"/>
-            </a:stretch>
-          </a:blipFill>
-        </p:spPr>
-      </p:sp>
-      <p:sp>
-        <p:nvSpPr>
-          <p:cNvPr name="TextBox 3" id="3"/>
-          <p:cNvSpPr txBox="true"/>
-          <p:nvPr/>
-        </p:nvSpPr>
-        <p:spPr>
-          <a:xfrm rot="0">
-            <a:off x="1873308" y="1019175"/>
-            <a:ext cx="10131094" cy="1228725"/>
-          </a:xfrm>
-          <a:prstGeom prst="rect">
-            <a:avLst/>
-          </a:prstGeom>
-        </p:spPr>
-        <p:txBody>
-          <a:bodyPr anchor="t" rtlCol="false" tIns="0" lIns="0" bIns="0" rIns="0">
-            <a:spAutoFit/>
-          </a:bodyPr>
-          <a:lstStyle/>
-          <a:p>
-            <a:pPr algn="l" marL="0" indent="0" lvl="0">
-              <a:lnSpc>
-                <a:spcPts val="9600"/>
-              </a:lnSpc>
-              <a:spcBef>
-                <a:spcPct val="0"/>
-              </a:spcBef>
-            </a:pPr>
-            <a:r>
-              <a:rPr lang="en-US" b="true" sz="8000" spc="464">
-                <a:solidFill>
-                  <a:srgbClr val="000000"/>
-                </a:solidFill>
-                <a:latin typeface="Anonymous Pro Bold"/>
-                <a:ea typeface="Anonymous Pro Bold"/>
-                <a:cs typeface="Anonymous Pro Bold"/>
-                <a:sym typeface="Anonymous Pro Bold"/>
-              </a:rPr>
-              <a:t>FRAGILIDADES</a:t>
-            </a:r>
-          </a:p>
-        </p:txBody>
-      </p:sp>
-      <p:sp>
-        <p:nvSpPr>
-          <p:cNvPr name="TextBox 4" id="4"/>
-          <p:cNvSpPr txBox="true"/>
-          <p:nvPr/>
-        </p:nvSpPr>
-        <p:spPr>
-          <a:xfrm rot="0">
-            <a:off x="2643155" y="2558415"/>
-            <a:ext cx="9361247" cy="6075045"/>
-          </a:xfrm>
-          <a:prstGeom prst="rect">
-            <a:avLst/>
-          </a:prstGeom>
-        </p:spPr>
-        <p:txBody>
-          <a:bodyPr anchor="t" rtlCol="false" tIns="0" lIns="0" bIns="0" rIns="0">
-            <a:spAutoFit/>
-          </a:bodyPr>
-          <a:lstStyle/>
-          <a:p>
-            <a:pPr algn="just" marL="874395" indent="-437197" lvl="1">
-              <a:lnSpc>
-                <a:spcPts val="8100"/>
-              </a:lnSpc>
-              <a:buFont typeface="Arial"/>
-              <a:buChar char="•"/>
-            </a:pPr>
-            <a:r>
-              <a:rPr lang="en-US" sz="4050">
-                <a:solidFill>
-                  <a:srgbClr val="000000"/>
-                </a:solidFill>
-                <a:latin typeface="Clear Sans Thin"/>
-                <a:ea typeface="Clear Sans Thin"/>
-                <a:cs typeface="Clear Sans Thin"/>
-                <a:sym typeface="Clear Sans Thin"/>
-              </a:rPr>
-              <a:t>Subjetividade</a:t>
-            </a:r>
-          </a:p>
-          <a:p>
-            <a:pPr algn="just" marL="874395" indent="-437197" lvl="1">
-              <a:lnSpc>
-                <a:spcPts val="8100"/>
-              </a:lnSpc>
-              <a:buFont typeface="Arial"/>
-              <a:buChar char="•"/>
-            </a:pPr>
-            <a:r>
-              <a:rPr lang="en-US" sz="4050">
-                <a:solidFill>
-                  <a:srgbClr val="000000"/>
-                </a:solidFill>
-                <a:latin typeface="Clear Sans Thin"/>
-                <a:ea typeface="Clear Sans Thin"/>
-                <a:cs typeface="Clear Sans Thin"/>
-                <a:sym typeface="Clear Sans Thin"/>
-              </a:rPr>
-              <a:t>Incompletude</a:t>
-            </a:r>
-          </a:p>
-          <a:p>
-            <a:pPr algn="just" marL="874395" indent="-437197" lvl="1">
-              <a:lnSpc>
-                <a:spcPts val="8100"/>
-              </a:lnSpc>
-              <a:buFont typeface="Arial"/>
-              <a:buChar char="•"/>
-            </a:pPr>
-            <a:r>
-              <a:rPr lang="en-US" sz="4050">
-                <a:solidFill>
-                  <a:srgbClr val="000000"/>
-                </a:solidFill>
-                <a:latin typeface="Clear Sans Thin"/>
-                <a:ea typeface="Clear Sans Thin"/>
-                <a:cs typeface="Clear Sans Thin"/>
-                <a:sym typeface="Clear Sans Thin"/>
-              </a:rPr>
-              <a:t>Falsos positivos</a:t>
-            </a:r>
-          </a:p>
-          <a:p>
-            <a:pPr algn="l" marL="874395" indent="-437197" lvl="1">
-              <a:lnSpc>
-                <a:spcPts val="8100"/>
-              </a:lnSpc>
-              <a:buFont typeface="Arial"/>
-              <a:buChar char="•"/>
-            </a:pPr>
-            <a:r>
-              <a:rPr lang="en-US" sz="4050">
-                <a:solidFill>
-                  <a:srgbClr val="000000"/>
-                </a:solidFill>
-                <a:latin typeface="Clear Sans Thin"/>
-                <a:ea typeface="Clear Sans Thin"/>
-                <a:cs typeface="Clear Sans Thin"/>
-                <a:sym typeface="Clear Sans Thin"/>
-              </a:rPr>
-              <a:t>Custos</a:t>
-            </a:r>
-          </a:p>
-          <a:p>
-            <a:pPr algn="l" marL="874395" indent="-437197" lvl="1">
-              <a:lnSpc>
-                <a:spcPts val="8100"/>
-              </a:lnSpc>
-              <a:buFont typeface="Arial"/>
-              <a:buChar char="•"/>
-            </a:pPr>
-            <a:r>
-              <a:rPr lang="en-US" sz="4050">
-                <a:solidFill>
-                  <a:srgbClr val="000000"/>
-                </a:solidFill>
-                <a:latin typeface="Clear Sans Thin"/>
-                <a:ea typeface="Clear Sans Thin"/>
-                <a:cs typeface="Clear Sans Thin"/>
-                <a:sym typeface="Clear Sans Thin"/>
-              </a:rPr>
-              <a:t>Resistência à mudança</a:t>
-            </a:r>
-          </a:p>
-          <a:p>
-            <a:pPr algn="l" marL="874395" indent="-437197" lvl="1">
-              <a:lnSpc>
-                <a:spcPts val="8100"/>
-              </a:lnSpc>
-              <a:buFont typeface="Arial"/>
-              <a:buChar char="•"/>
-            </a:pPr>
-            <a:r>
-              <a:rPr lang="en-US" sz="4050">
-                <a:solidFill>
-                  <a:srgbClr val="000000"/>
-                </a:solidFill>
-                <a:latin typeface="Clear Sans Thin"/>
-                <a:ea typeface="Clear Sans Thin"/>
-                <a:cs typeface="Clear Sans Thin"/>
-                <a:sym typeface="Clear Sans Thin"/>
-              </a:rPr>
-              <a:t>Complexidade</a:t>
-            </a:r>
-          </a:p>
-        </p:txBody>
-      </p:sp>
-      <p:sp>
-        <p:nvSpPr>
-          <p:cNvPr name="AutoShape 5" id="5"/>
-          <p:cNvSpPr/>
-          <p:nvPr/>
-        </p:nvSpPr>
-        <p:spPr>
-          <a:xfrm rot="5400000">
-            <a:off x="-4972522" y="3239142"/>
-            <a:ext cx="12038317" cy="0"/>
-          </a:xfrm>
-          <a:prstGeom prst="line">
-            <a:avLst/>
-          </a:prstGeom>
-          <a:ln cap="flat" w="38100">
-            <a:solidFill>
-              <a:srgbClr val="000000"/>
-            </a:solidFill>
-            <a:prstDash val="solid"/>
-            <a:headEnd type="none" len="sm" w="sm"/>
-            <a:tailEnd type="none" len="sm" w="sm"/>
-          </a:ln>
-        </p:spPr>
-      </p:sp>
-      <p:sp>
-        <p:nvSpPr>
-          <p:cNvPr name="AutoShape 6" id="6"/>
-          <p:cNvSpPr/>
-          <p:nvPr/>
-        </p:nvSpPr>
-        <p:spPr>
-          <a:xfrm rot="0">
-            <a:off x="1027587" y="9258300"/>
-            <a:ext cx="2131373" cy="0"/>
-          </a:xfrm>
-          <a:prstGeom prst="line">
-            <a:avLst/>
-          </a:prstGeom>
-          <a:ln cap="flat" w="38100">
-            <a:solidFill>
-              <a:srgbClr val="000000"/>
-            </a:solidFill>
-            <a:prstDash val="solid"/>
-            <a:headEnd type="none" len="sm" w="sm"/>
-            <a:tailEnd type="none" len="sm" w="sm"/>
-          </a:ln>
-        </p:spPr>
-      </p:sp>
-    </p:spTree>
-  </p:cSld>
-  <p:clrMapOvr>
-    <a:masterClrMapping/>
-  </p:clrMapOvr>
-</p:sld>
-</file>
-
-<file path=ppt/slides/slide4.xml><?xml version="1.0" encoding="utf-8"?>
 <p:sld xmlns:p="http://schemas.openxmlformats.org/presentationml/2006/main" xmlns:a="http://schemas.openxmlformats.org/drawingml/2006/main" xmlns:r="http://schemas.openxmlformats.org/officeDocument/2006/relationships">
   <p:cSld>
     <p:bg>
@@ -5088,6 +5448,336 @@
 </p:sld>
 </file>
 
+<file path=ppt/slides/slide4.xml><?xml version="1.0" encoding="utf-8"?>
+<p:sld xmlns:p="http://schemas.openxmlformats.org/presentationml/2006/main" xmlns:a="http://schemas.openxmlformats.org/drawingml/2006/main" xmlns:r="http://schemas.openxmlformats.org/officeDocument/2006/relationships">
+  <p:cSld>
+    <p:bg>
+      <p:bgPr>
+        <a:solidFill>
+          <a:srgbClr val="FBF6F3"/>
+        </a:solidFill>
+      </p:bgPr>
+    </p:bg>
+    <p:spTree>
+      <p:nvGrpSpPr>
+        <p:cNvPr id="1" name=""/>
+        <p:cNvGrpSpPr/>
+        <p:nvPr/>
+      </p:nvGrpSpPr>
+      <p:grpSpPr>
+        <a:xfrm>
+          <a:off x="0" y="0"/>
+          <a:ext cx="0" cy="0"/>
+          <a:chOff x="0" y="0"/>
+          <a:chExt cx="0" cy="0"/>
+        </a:xfrm>
+      </p:grpSpPr>
+      <p:sp>
+        <p:nvSpPr>
+          <p:cNvPr name="Freeform 2" id="2"/>
+          <p:cNvSpPr/>
+          <p:nvPr/>
+        </p:nvSpPr>
+        <p:spPr>
+          <a:xfrm flipH="false" flipV="false" rot="0">
+            <a:off x="15201900" y="7239000"/>
+            <a:ext cx="4114800" cy="4114800"/>
+          </a:xfrm>
+          <a:custGeom>
+            <a:avLst/>
+            <a:gdLst/>
+            <a:ahLst/>
+            <a:cxnLst/>
+            <a:rect r="r" b="b" t="t" l="l"/>
+            <a:pathLst>
+              <a:path h="4114800" w="4114800">
+                <a:moveTo>
+                  <a:pt x="0" y="0"/>
+                </a:moveTo>
+                <a:lnTo>
+                  <a:pt x="4114800" y="0"/>
+                </a:lnTo>
+                <a:lnTo>
+                  <a:pt x="4114800" y="4114800"/>
+                </a:lnTo>
+                <a:lnTo>
+                  <a:pt x="0" y="4114800"/>
+                </a:lnTo>
+                <a:lnTo>
+                  <a:pt x="0" y="0"/>
+                </a:lnTo>
+                <a:close/>
+              </a:path>
+            </a:pathLst>
+          </a:custGeom>
+          <a:blipFill>
+            <a:blip r:embed="rId2">
+              <a:extLst>
+                <a:ext uri="{96DAC541-7B7A-43D3-8B79-37D633B846F1}">
+                  <asvg:svgBlip xmlns:asvg="http://schemas.microsoft.com/office/drawing/2016/SVG/main" r:embed="rId3"/>
+                </a:ext>
+              </a:extLst>
+            </a:blip>
+            <a:stretch>
+              <a:fillRect l="0" t="0" r="0" b="0"/>
+            </a:stretch>
+          </a:blipFill>
+        </p:spPr>
+      </p:sp>
+      <p:sp>
+        <p:nvSpPr>
+          <p:cNvPr name="TextBox 3" id="3"/>
+          <p:cNvSpPr txBox="true"/>
+          <p:nvPr/>
+        </p:nvSpPr>
+        <p:spPr>
+          <a:xfrm rot="0">
+            <a:off x="1873308" y="1009650"/>
+            <a:ext cx="14433649" cy="1062523"/>
+          </a:xfrm>
+          <a:prstGeom prst="rect">
+            <a:avLst/>
+          </a:prstGeom>
+        </p:spPr>
+        <p:txBody>
+          <a:bodyPr anchor="t" rtlCol="false" tIns="0" lIns="0" bIns="0" rIns="0">
+            <a:spAutoFit/>
+          </a:bodyPr>
+          <a:lstStyle/>
+          <a:p>
+            <a:pPr algn="l" marL="0" indent="0" lvl="0">
+              <a:lnSpc>
+                <a:spcPts val="8216"/>
+              </a:lnSpc>
+              <a:spcBef>
+                <a:spcPct val="0"/>
+              </a:spcBef>
+            </a:pPr>
+            <a:r>
+              <a:rPr lang="en-US" b="true" sz="6846" spc="397">
+                <a:solidFill>
+                  <a:srgbClr val="000000"/>
+                </a:solidFill>
+                <a:latin typeface="Anonymous Pro Bold"/>
+                <a:ea typeface="Anonymous Pro Bold"/>
+                <a:cs typeface="Anonymous Pro Bold"/>
+                <a:sym typeface="Anonymous Pro Bold"/>
+              </a:rPr>
+              <a:t>ANÁLISE UTILIZANDO GRAFOS</a:t>
+            </a:r>
+          </a:p>
+        </p:txBody>
+      </p:sp>
+      <p:sp>
+        <p:nvSpPr>
+          <p:cNvPr name="TextBox 4" id="4"/>
+          <p:cNvSpPr txBox="true"/>
+          <p:nvPr/>
+        </p:nvSpPr>
+        <p:spPr>
+          <a:xfrm rot="0">
+            <a:off x="1873308" y="2977515"/>
+            <a:ext cx="10292580" cy="4017645"/>
+          </a:xfrm>
+          <a:prstGeom prst="rect">
+            <a:avLst/>
+          </a:prstGeom>
+        </p:spPr>
+        <p:txBody>
+          <a:bodyPr anchor="t" rtlCol="false" tIns="0" lIns="0" bIns="0" rIns="0">
+            <a:spAutoFit/>
+          </a:bodyPr>
+          <a:lstStyle/>
+          <a:p>
+            <a:pPr algn="just" marL="874395" indent="-437197" lvl="1">
+              <a:lnSpc>
+                <a:spcPts val="8100"/>
+              </a:lnSpc>
+              <a:buFont typeface="Arial"/>
+              <a:buChar char="•"/>
+            </a:pPr>
+            <a:r>
+              <a:rPr lang="en-US" b="true" sz="4050">
+                <a:solidFill>
+                  <a:srgbClr val="000000"/>
+                </a:solidFill>
+                <a:latin typeface="Clear Sans Bold"/>
+                <a:ea typeface="Clear Sans Bold"/>
+                <a:cs typeface="Clear Sans Bold"/>
+                <a:sym typeface="Clear Sans Bold"/>
+              </a:rPr>
+              <a:t>Tipo de hazard:</a:t>
+            </a:r>
+            <a:r>
+              <a:rPr lang="en-US" sz="4050">
+                <a:solidFill>
+                  <a:srgbClr val="000000"/>
+                </a:solidFill>
+                <a:latin typeface="Clear Sans Thin"/>
+                <a:ea typeface="Clear Sans Thin"/>
+                <a:cs typeface="Clear Sans Thin"/>
+                <a:sym typeface="Clear Sans Thin"/>
+              </a:rPr>
+              <a:t> hazard de dado</a:t>
+            </a:r>
+          </a:p>
+          <a:p>
+            <a:pPr algn="just" marL="874395" indent="-437197" lvl="1">
+              <a:lnSpc>
+                <a:spcPts val="8100"/>
+              </a:lnSpc>
+              <a:buFont typeface="Arial"/>
+              <a:buChar char="•"/>
+            </a:pPr>
+            <a:r>
+              <a:rPr lang="en-US" b="true" sz="4050">
+                <a:solidFill>
+                  <a:srgbClr val="000000"/>
+                </a:solidFill>
+                <a:latin typeface="Clear Sans Bold"/>
+                <a:ea typeface="Clear Sans Bold"/>
+                <a:cs typeface="Clear Sans Bold"/>
+                <a:sym typeface="Clear Sans Bold"/>
+              </a:rPr>
+              <a:t>Tipo de grafo:</a:t>
+            </a:r>
+            <a:r>
+              <a:rPr lang="en-US" sz="4050">
+                <a:solidFill>
+                  <a:srgbClr val="000000"/>
+                </a:solidFill>
+                <a:latin typeface="Clear Sans Thin"/>
+                <a:ea typeface="Clear Sans Thin"/>
+                <a:cs typeface="Clear Sans Thin"/>
+                <a:sym typeface="Clear Sans Thin"/>
+              </a:rPr>
+              <a:t> direcionado acíclico</a:t>
+            </a:r>
+          </a:p>
+          <a:p>
+            <a:pPr algn="just" marL="1748790" indent="-582930" lvl="2">
+              <a:lnSpc>
+                <a:spcPts val="8100"/>
+              </a:lnSpc>
+              <a:buFont typeface="Arial"/>
+              <a:buChar char="⚬"/>
+            </a:pPr>
+            <a:r>
+              <a:rPr lang="en-US" b="true" sz="4050">
+                <a:solidFill>
+                  <a:srgbClr val="000000"/>
+                </a:solidFill>
+                <a:latin typeface="Clear Sans Bold"/>
+                <a:ea typeface="Clear Sans Bold"/>
+                <a:cs typeface="Clear Sans Bold"/>
+                <a:sym typeface="Clear Sans Bold"/>
+              </a:rPr>
+              <a:t>Nó:</a:t>
+            </a:r>
+            <a:r>
+              <a:rPr lang="en-US" sz="4050">
+                <a:solidFill>
+                  <a:srgbClr val="000000"/>
+                </a:solidFill>
+                <a:latin typeface="Clear Sans Thin"/>
+                <a:ea typeface="Clear Sans Thin"/>
+                <a:cs typeface="Clear Sans Thin"/>
+                <a:sym typeface="Clear Sans Thin"/>
+              </a:rPr>
+              <a:t> Tarefas</a:t>
+            </a:r>
+          </a:p>
+          <a:p>
+            <a:pPr algn="just" marL="1748790" indent="-582930" lvl="2">
+              <a:lnSpc>
+                <a:spcPts val="8100"/>
+              </a:lnSpc>
+              <a:buFont typeface="Arial"/>
+              <a:buChar char="⚬"/>
+            </a:pPr>
+            <a:r>
+              <a:rPr lang="en-US" b="true" sz="4050">
+                <a:solidFill>
+                  <a:srgbClr val="000000"/>
+                </a:solidFill>
+                <a:latin typeface="Clear Sans Bold"/>
+                <a:ea typeface="Clear Sans Bold"/>
+                <a:cs typeface="Clear Sans Bold"/>
+                <a:sym typeface="Clear Sans Bold"/>
+              </a:rPr>
+              <a:t>Aresta:</a:t>
+            </a:r>
+            <a:r>
+              <a:rPr lang="en-US" sz="4050">
+                <a:solidFill>
+                  <a:srgbClr val="000000"/>
+                </a:solidFill>
+                <a:latin typeface="Clear Sans Thin"/>
+                <a:ea typeface="Clear Sans Thin"/>
+                <a:cs typeface="Clear Sans Thin"/>
+                <a:sym typeface="Clear Sans Thin"/>
+              </a:rPr>
+              <a:t> Dependência entre as tarefas</a:t>
+            </a:r>
+          </a:p>
+        </p:txBody>
+      </p:sp>
+      <p:sp>
+        <p:nvSpPr>
+          <p:cNvPr name="AutoShape 5" id="5"/>
+          <p:cNvSpPr/>
+          <p:nvPr/>
+        </p:nvSpPr>
+        <p:spPr>
+          <a:xfrm rot="5400000">
+            <a:off x="-4972522" y="3239142"/>
+            <a:ext cx="12038317" cy="0"/>
+          </a:xfrm>
+          <a:prstGeom prst="line">
+            <a:avLst/>
+          </a:prstGeom>
+          <a:ln cap="flat" w="38100">
+            <a:solidFill>
+              <a:srgbClr val="000000"/>
+            </a:solidFill>
+            <a:prstDash val="solid"/>
+            <a:headEnd type="none" len="sm" w="sm"/>
+            <a:tailEnd type="none" len="sm" w="sm"/>
+          </a:ln>
+        </p:spPr>
+      </p:sp>
+      <p:sp>
+        <p:nvSpPr>
+          <p:cNvPr name="AutoShape 6" id="6"/>
+          <p:cNvSpPr/>
+          <p:nvPr/>
+        </p:nvSpPr>
+        <p:spPr>
+          <a:xfrm rot="0">
+            <a:off x="1027587" y="9258300"/>
+            <a:ext cx="2131373" cy="0"/>
+          </a:xfrm>
+          <a:prstGeom prst="line">
+            <a:avLst/>
+          </a:prstGeom>
+          <a:ln cap="flat" w="38100">
+            <a:solidFill>
+              <a:srgbClr val="000000"/>
+            </a:solidFill>
+            <a:prstDash val="solid"/>
+            <a:headEnd type="none" len="sm" w="sm"/>
+            <a:tailEnd type="none" len="sm" w="sm"/>
+          </a:ln>
+        </p:spPr>
+      </p:sp>
+    </p:spTree>
+  </p:cSld>
+  <p:clrMapOvr>
+    <a:masterClrMapping/>
+  </p:clrMapOvr>
+</p:sld>
+</file>
+
 <file path=ppt/slides/slide5.xml><?xml version="1.0" encoding="utf-8"?>
 <p:sld xmlns:p="http://schemas.openxmlformats.org/presentationml/2006/main" xmlns:a="http://schemas.openxmlformats.org/drawingml/2006/main" xmlns:r="http://schemas.openxmlformats.org/officeDocument/2006/relationships">
   <p:cSld>
@@ -5172,10 +5862,10 @@
         </p:nvGrpSpPr>
         <p:grpSpPr>
           <a:xfrm rot="0">
-            <a:off x="4822808" y="2404728"/>
-            <a:ext cx="10230769" cy="7466987"/>
+            <a:off x="3764339" y="2039982"/>
+            <a:ext cx="12443569" cy="7831734"/>
             <a:chOff x="0" y="0"/>
-            <a:chExt cx="2694523" cy="1966614"/>
+            <a:chExt cx="3277319" cy="2062679"/>
           </a:xfrm>
         </p:grpSpPr>
         <p:sp>
@@ -5187,7 +5877,7 @@
           <p:spPr>
             <a:xfrm flipH="false" flipV="false" rot="0">
               <a:off x="0" y="0"/>
-              <a:ext cx="2694524" cy="1966614"/>
+              <a:ext cx="3277319" cy="2062679"/>
             </a:xfrm>
             <a:custGeom>
               <a:avLst/>
@@ -5196,41 +5886,61 @@
               <a:cxnLst/>
               <a:rect r="r" b="b" t="t" l="l"/>
               <a:pathLst>
-                <a:path h="1966614" w="2694524">
+                <a:path h="2062679" w="3277319">
                   <a:moveTo>
-                    <a:pt x="38593" y="0"/>
+                    <a:pt x="31730" y="0"/>
                   </a:moveTo>
                   <a:lnTo>
-                    <a:pt x="2655930" y="0"/>
+                    <a:pt x="3245588" y="0"/>
                   </a:lnTo>
                   <a:cubicBezTo>
-                    <a:pt x="2677245" y="0"/>
-                    <a:pt x="2694524" y="17279"/>
-                    <a:pt x="2694524" y="38593"/>
+                    <a:pt x="3254004" y="0"/>
+                    <a:pt x="3262075" y="3343"/>
+                    <a:pt x="3268025" y="9294"/>
+                  </a:cubicBezTo>
+                  <a:cubicBezTo>
+                    <a:pt x="3273976" y="15244"/>
+                    <a:pt x="3277319" y="23315"/>
+                    <a:pt x="3277319" y="31730"/>
                   </a:cubicBezTo>
                   <a:lnTo>
-                    <a:pt x="2694524" y="1928021"/>
+                    <a:pt x="3277319" y="2030949"/>
                   </a:lnTo>
                   <a:cubicBezTo>
-                    <a:pt x="2694524" y="1949335"/>
-                    <a:pt x="2677245" y="1966614"/>
-                    <a:pt x="2655930" y="1966614"/>
+                    <a:pt x="3277319" y="2039364"/>
+                    <a:pt x="3273976" y="2047435"/>
+                    <a:pt x="3268025" y="2053385"/>
+                  </a:cubicBezTo>
+                  <a:cubicBezTo>
+                    <a:pt x="3262075" y="2059336"/>
+                    <a:pt x="3254004" y="2062679"/>
+                    <a:pt x="3245588" y="2062679"/>
                   </a:cubicBezTo>
                   <a:lnTo>
-                    <a:pt x="38593" y="1966614"/>
+                    <a:pt x="31730" y="2062679"/>
                   </a:lnTo>
                   <a:cubicBezTo>
-                    <a:pt x="17279" y="1966614"/>
-                    <a:pt x="0" y="1949335"/>
-                    <a:pt x="0" y="1928021"/>
+                    <a:pt x="23315" y="2062679"/>
+                    <a:pt x="15244" y="2059336"/>
+                    <a:pt x="9294" y="2053385"/>
+                  </a:cubicBezTo>
+                  <a:cubicBezTo>
+                    <a:pt x="3343" y="2047435"/>
+                    <a:pt x="0" y="2039364"/>
+                    <a:pt x="0" y="2030949"/>
                   </a:cubicBezTo>
                   <a:lnTo>
-                    <a:pt x="0" y="38593"/>
+                    <a:pt x="0" y="31730"/>
                   </a:lnTo>
                   <a:cubicBezTo>
-                    <a:pt x="0" y="17279"/>
-                    <a:pt x="17279" y="0"/>
-                    <a:pt x="38593" y="0"/>
+                    <a:pt x="0" y="23315"/>
+                    <a:pt x="3343" y="15244"/>
+                    <a:pt x="9294" y="9294"/>
+                  </a:cubicBezTo>
+                  <a:cubicBezTo>
+                    <a:pt x="15244" y="3343"/>
+                    <a:pt x="23315" y="0"/>
+                    <a:pt x="31730" y="0"/>
                   </a:cubicBezTo>
                   <a:close/>
                 </a:path>
@@ -5250,7 +5960,7 @@
           <p:spPr>
             <a:xfrm>
               <a:off x="0" y="-85725"/>
-              <a:ext cx="2694523" cy="2052339"/>
+              <a:ext cx="3277319" cy="2148404"/>
             </a:xfrm>
             <a:prstGeom prst="rect">
               <a:avLst/>
@@ -5277,8 +5987,8 @@
         </p:nvSpPr>
         <p:spPr>
           <a:xfrm rot="0">
-            <a:off x="5086651" y="2693981"/>
-            <a:ext cx="9703084" cy="6688457"/>
+            <a:off x="4811160" y="2596381"/>
+            <a:ext cx="10349926" cy="6537961"/>
           </a:xfrm>
           <a:prstGeom prst="rect">
             <a:avLst/>
@@ -5292,11 +6002,11 @@
           <a:p>
             <a:pPr algn="l">
               <a:lnSpc>
-                <a:spcPts val="5399"/>
+                <a:spcPts val="4799"/>
               </a:lnSpc>
             </a:pPr>
             <a:r>
-              <a:rPr lang="en-US" sz="2699" b="true">
+              <a:rPr lang="en-US" sz="2399" b="true">
                 <a:solidFill>
                   <a:srgbClr val="FBF6F3"/>
                 </a:solidFill>
@@ -5305,17 +6015,17 @@
                 <a:cs typeface="Clear Sans Bold"/>
                 <a:sym typeface="Clear Sans Bold"/>
               </a:rPr>
-              <a:t>ALGORITMO Busca_de_Hazards</a:t>
+              <a:t>def buscar_hazards(grafo):</a:t>
             </a:r>
           </a:p>
           <a:p>
             <a:pPr algn="l">
               <a:lnSpc>
-                <a:spcPts val="5399"/>
+                <a:spcPts val="4799"/>
               </a:lnSpc>
             </a:pPr>
             <a:r>
-              <a:rPr lang="en-US" sz="2699" b="true">
+              <a:rPr lang="en-US" sz="2399" b="true">
                 <a:solidFill>
                   <a:srgbClr val="FBF6F3"/>
                 </a:solidFill>
@@ -5324,17 +6034,10 @@
                 <a:cs typeface="Clear Sans Bold"/>
                 <a:sym typeface="Clear Sans Bold"/>
               </a:rPr>
-              <a:t>      ENTRADA: Sistema a ser analisado</a:t>
-            </a:r>
-          </a:p>
-          <a:p>
-            <a:pPr algn="l">
-              <a:lnSpc>
-                <a:spcPts val="5399"/>
-              </a:lnSpc>
-            </a:pPr>
-            <a:r>
-              <a:rPr lang="en-US" sz="2699" b="true">
+              <a:t>          </a:t>
+            </a:r>
+            <a:r>
+              <a:rPr lang="en-US" sz="2399" b="true">
                 <a:solidFill>
                   <a:srgbClr val="FBF6F3"/>
                 </a:solidFill>
@@ -5343,17 +6046,17 @@
                 <a:cs typeface="Clear Sans Bold"/>
                 <a:sym typeface="Clear Sans Bold"/>
               </a:rPr>
-              <a:t>      SAÍDA: Lista de hazards com suas respectivas avaliações</a:t>
+              <a:t>hazards = []</a:t>
             </a:r>
           </a:p>
           <a:p>
             <a:pPr algn="l">
               <a:lnSpc>
-                <a:spcPts val="5399"/>
+                <a:spcPts val="4799"/>
               </a:lnSpc>
             </a:pPr>
             <a:r>
-              <a:rPr lang="en-US" sz="2699" b="true">
+              <a:rPr lang="en-US" sz="2399" b="true">
                 <a:solidFill>
                   <a:srgbClr val="FBF6F3"/>
                 </a:solidFill>
@@ -5362,17 +6065,17 @@
                 <a:cs typeface="Clear Sans Bold"/>
                 <a:sym typeface="Clear Sans Bold"/>
               </a:rPr>
-              <a:t>      1. Definir o escopo da análise</a:t>
+              <a:t>          for node in grafo.nodes:</a:t>
             </a:r>
           </a:p>
           <a:p>
             <a:pPr algn="l">
               <a:lnSpc>
-                <a:spcPts val="5399"/>
+                <a:spcPts val="4799"/>
               </a:lnSpc>
             </a:pPr>
             <a:r>
-              <a:rPr lang="en-US" sz="2699" b="true">
+              <a:rPr lang="en-US" sz="2399" b="true">
                 <a:solidFill>
                   <a:srgbClr val="FBF6F3"/>
                 </a:solidFill>
@@ -5381,17 +6084,17 @@
                 <a:cs typeface="Clear Sans Bold"/>
                 <a:sym typeface="Clear Sans Bold"/>
               </a:rPr>
-              <a:t>      2. Identificar os hazards</a:t>
+              <a:t>                   predecessores = list(grafo.predecessors(node))</a:t>
             </a:r>
           </a:p>
           <a:p>
             <a:pPr algn="l">
               <a:lnSpc>
-                <a:spcPts val="5399"/>
+                <a:spcPts val="4799"/>
               </a:lnSpc>
             </a:pPr>
             <a:r>
-              <a:rPr lang="en-US" sz="2699" b="true">
+              <a:rPr lang="en-US" sz="2399" b="true">
                 <a:solidFill>
                   <a:srgbClr val="FBF6F3"/>
                 </a:solidFill>
@@ -5400,17 +6103,17 @@
                 <a:cs typeface="Clear Sans Bold"/>
                 <a:sym typeface="Clear Sans Bold"/>
               </a:rPr>
-              <a:t>          PARA cada componente do sistema FAZER</a:t>
+              <a:t>                   if len(predecessores) &gt; 1:</a:t>
             </a:r>
           </a:p>
           <a:p>
             <a:pPr algn="l">
               <a:lnSpc>
-                <a:spcPts val="5399"/>
+                <a:spcPts val="4799"/>
               </a:lnSpc>
             </a:pPr>
             <a:r>
-              <a:rPr lang="en-US" sz="2699" b="true">
+              <a:rPr lang="en-US" sz="2399" b="true">
                 <a:solidFill>
                   <a:srgbClr val="FBF6F3"/>
                 </a:solidFill>
@@ -5419,17 +6122,17 @@
                 <a:cs typeface="Clear Sans Bold"/>
                 <a:sym typeface="Clear Sans Bold"/>
               </a:rPr>
-              <a:t>              Realizar inspeção visual</a:t>
+              <a:t>                            for i in range(len(predecessores)):</a:t>
             </a:r>
           </a:p>
           <a:p>
             <a:pPr algn="l">
               <a:lnSpc>
-                <a:spcPts val="5399"/>
+                <a:spcPts val="4799"/>
               </a:lnSpc>
             </a:pPr>
             <a:r>
-              <a:rPr lang="en-US" sz="2699" b="true">
+              <a:rPr lang="en-US" sz="2399" b="true">
                 <a:solidFill>
                   <a:srgbClr val="FBF6F3"/>
                 </a:solidFill>
@@ -5438,17 +6141,17 @@
                 <a:cs typeface="Clear Sans Bold"/>
                 <a:sym typeface="Clear Sans Bold"/>
               </a:rPr>
-              <a:t>              Consultar documentos relevantes</a:t>
+              <a:t>                                   for j in range(i + 1, len(predecessores)):</a:t>
             </a:r>
           </a:p>
           <a:p>
             <a:pPr algn="l">
               <a:lnSpc>
-                <a:spcPts val="5399"/>
+                <a:spcPts val="4799"/>
               </a:lnSpc>
             </a:pPr>
             <a:r>
-              <a:rPr lang="en-US" sz="2699" b="true">
+              <a:rPr lang="en-US" sz="2399" b="true">
                 <a:solidFill>
                   <a:srgbClr val="FBF6F3"/>
                 </a:solidFill>
@@ -5457,17 +6160,17 @@
                 <a:cs typeface="Clear Sans Bold"/>
                 <a:sym typeface="Clear Sans Bold"/>
               </a:rPr>
-              <a:t>              Entrevistar os trabalhadores</a:t>
+              <a:t>                                            pre1, pre2 = predecessores[i], predecessores[j]</a:t>
             </a:r>
           </a:p>
           <a:p>
             <a:pPr algn="l">
               <a:lnSpc>
-                <a:spcPts val="5399"/>
+                <a:spcPts val="4799"/>
               </a:lnSpc>
             </a:pPr>
             <a:r>
-              <a:rPr lang="en-US" b="true" sz="2699">
+              <a:rPr lang="en-US" sz="2399" b="true">
                 <a:solidFill>
                   <a:srgbClr val="FBF6F3"/>
                 </a:solidFill>
@@ -5476,7 +6179,45 @@
                 <a:cs typeface="Clear Sans Bold"/>
                 <a:sym typeface="Clear Sans Bold"/>
               </a:rPr>
-              <a:t>          FIM PARA</a:t>
+              <a:t>                                           if pre1 in grafo and pre2 in grafo:</a:t>
+            </a:r>
+          </a:p>
+          <a:p>
+            <a:pPr algn="l">
+              <a:lnSpc>
+                <a:spcPts val="4799"/>
+              </a:lnSpc>
+            </a:pPr>
+            <a:r>
+              <a:rPr lang="en-US" sz="2399" b="true">
+                <a:solidFill>
+                  <a:srgbClr val="FBF6F3"/>
+                </a:solidFill>
+                <a:latin typeface="Clear Sans Bold"/>
+                <a:ea typeface="Clear Sans Bold"/>
+                <a:cs typeface="Clear Sans Bold"/>
+                <a:sym typeface="Clear Sans Bold"/>
+              </a:rPr>
+              <a:t>                                                  hazards.append((pre1, pre2, node))</a:t>
+            </a:r>
+          </a:p>
+          <a:p>
+            <a:pPr algn="l">
+              <a:lnSpc>
+                <a:spcPts val="4799"/>
+              </a:lnSpc>
+            </a:pPr>
+            <a:r>
+              <a:rPr lang="en-US" b="true" sz="2399">
+                <a:solidFill>
+                  <a:srgbClr val="FBF6F3"/>
+                </a:solidFill>
+                <a:latin typeface="Clear Sans Bold"/>
+                <a:ea typeface="Clear Sans Bold"/>
+                <a:cs typeface="Clear Sans Bold"/>
+                <a:sym typeface="Clear Sans Bold"/>
+              </a:rPr>
+              <a:t>          return hazards</a:t>
             </a:r>
           </a:p>
         </p:txBody>
@@ -5572,7 +6313,7 @@
                 <a:cs typeface="Anonymous Pro Bold"/>
                 <a:sym typeface="Anonymous Pro Bold"/>
               </a:rPr>
-              <a:t>PSEUDOCÓDIGO</a:t>
+              <a:t>ALGORITMO</a:t>
             </a:r>
           </a:p>
         </p:txBody>
@@ -5617,8 +6358,8 @@
         </p:nvSpPr>
         <p:spPr>
           <a:xfrm flipH="false" flipV="false" rot="0">
-            <a:off x="14127816" y="-17418"/>
-            <a:ext cx="4160184" cy="4114800"/>
+            <a:off x="1028700" y="1028700"/>
+            <a:ext cx="10954488" cy="8229600"/>
           </a:xfrm>
           <a:custGeom>
             <a:avLst/>
@@ -5627,18 +6368,18 @@
             <a:cxnLst/>
             <a:rect r="r" b="b" t="t" l="l"/>
             <a:pathLst>
-              <a:path h="4114800" w="4160184">
+              <a:path h="8229600" w="10954488">
                 <a:moveTo>
                   <a:pt x="0" y="0"/>
                 </a:moveTo>
                 <a:lnTo>
-                  <a:pt x="4160184" y="0"/>
+                  <a:pt x="10954488" y="0"/>
                 </a:lnTo>
                 <a:lnTo>
-                  <a:pt x="4160184" y="4114800"/>
+                  <a:pt x="10954488" y="8229600"/>
                 </a:lnTo>
                 <a:lnTo>
-                  <a:pt x="0" y="4114800"/>
+                  <a:pt x="0" y="8229600"/>
                 </a:lnTo>
                 <a:lnTo>
                   <a:pt x="0" y="0"/>
@@ -5648,13 +6389,7 @@
             </a:pathLst>
           </a:custGeom>
           <a:blipFill>
-            <a:blip r:embed="rId2">
-              <a:extLst>
-                <a:ext uri="{96DAC541-7B7A-43D3-8B79-37D633B846F1}">
-                  <asvg:svgBlip xmlns:asvg="http://schemas.microsoft.com/office/drawing/2016/SVG/main" r:embed="rId3"/>
-                </a:ext>
-              </a:extLst>
-            </a:blip>
+            <a:blip r:embed="rId2"/>
             <a:stretch>
               <a:fillRect l="0" t="0" r="0" b="0"/>
             </a:stretch>
@@ -5669,10 +6404,10 @@
         </p:nvGrpSpPr>
         <p:grpSpPr>
           <a:xfrm rot="0">
-            <a:off x="4822808" y="2404728"/>
-            <a:ext cx="10230769" cy="7466987"/>
+            <a:off x="12227702" y="3258988"/>
+            <a:ext cx="5854484" cy="3769024"/>
             <a:chOff x="0" y="0"/>
-            <a:chExt cx="2694523" cy="1966614"/>
+            <a:chExt cx="1541922" cy="992665"/>
           </a:xfrm>
         </p:grpSpPr>
         <p:sp>
@@ -5684,7 +6419,7 @@
           <p:spPr>
             <a:xfrm flipH="false" flipV="false" rot="0">
               <a:off x="0" y="0"/>
-              <a:ext cx="2694524" cy="1966614"/>
+              <a:ext cx="1541922" cy="992665"/>
             </a:xfrm>
             <a:custGeom>
               <a:avLst/>
@@ -5693,41 +6428,41 @@
               <a:cxnLst/>
               <a:rect r="r" b="b" t="t" l="l"/>
               <a:pathLst>
-                <a:path h="1966614" w="2694524">
+                <a:path h="992665" w="1541922">
                   <a:moveTo>
-                    <a:pt x="38593" y="0"/>
+                    <a:pt x="67442" y="0"/>
                   </a:moveTo>
                   <a:lnTo>
-                    <a:pt x="2655930" y="0"/>
+                    <a:pt x="1474480" y="0"/>
                   </a:lnTo>
                   <a:cubicBezTo>
-                    <a:pt x="2677245" y="0"/>
-                    <a:pt x="2694524" y="17279"/>
-                    <a:pt x="2694524" y="38593"/>
+                    <a:pt x="1511727" y="0"/>
+                    <a:pt x="1541922" y="30195"/>
+                    <a:pt x="1541922" y="67442"/>
                   </a:cubicBezTo>
                   <a:lnTo>
-                    <a:pt x="2694524" y="1928021"/>
+                    <a:pt x="1541922" y="925223"/>
                   </a:lnTo>
                   <a:cubicBezTo>
-                    <a:pt x="2694524" y="1949335"/>
-                    <a:pt x="2677245" y="1966614"/>
-                    <a:pt x="2655930" y="1966614"/>
+                    <a:pt x="1541922" y="962470"/>
+                    <a:pt x="1511727" y="992665"/>
+                    <a:pt x="1474480" y="992665"/>
                   </a:cubicBezTo>
                   <a:lnTo>
-                    <a:pt x="38593" y="1966614"/>
+                    <a:pt x="67442" y="992665"/>
                   </a:lnTo>
                   <a:cubicBezTo>
-                    <a:pt x="17279" y="1966614"/>
-                    <a:pt x="0" y="1949335"/>
-                    <a:pt x="0" y="1928021"/>
+                    <a:pt x="30195" y="992665"/>
+                    <a:pt x="0" y="962470"/>
+                    <a:pt x="0" y="925223"/>
                   </a:cubicBezTo>
                   <a:lnTo>
-                    <a:pt x="0" y="38593"/>
+                    <a:pt x="0" y="67442"/>
                   </a:lnTo>
                   <a:cubicBezTo>
-                    <a:pt x="0" y="17279"/>
-                    <a:pt x="17279" y="0"/>
-                    <a:pt x="38593" y="0"/>
+                    <a:pt x="0" y="30195"/>
+                    <a:pt x="30195" y="0"/>
+                    <a:pt x="67442" y="0"/>
                   </a:cubicBezTo>
                   <a:close/>
                 </a:path>
@@ -5747,7 +6482,7 @@
           <p:spPr>
             <a:xfrm>
               <a:off x="0" y="-85725"/>
-              <a:ext cx="2694523" cy="2052339"/>
+              <a:ext cx="1541922" cy="1078390"/>
             </a:xfrm>
             <a:prstGeom prst="rect">
               <a:avLst/>
@@ -5774,8 +6509,8 @@
         </p:nvSpPr>
         <p:spPr>
           <a:xfrm rot="0">
-            <a:off x="6101017" y="3708394"/>
-            <a:ext cx="7674351" cy="4659632"/>
+            <a:off x="12515134" y="3900805"/>
+            <a:ext cx="5279620" cy="2256790"/>
           </a:xfrm>
           <a:prstGeom prst="rect">
             <a:avLst/>
@@ -5789,115 +6524,32 @@
           <a:p>
             <a:pPr algn="l">
               <a:lnSpc>
-                <a:spcPts val="5399"/>
+                <a:spcPts val="6199"/>
               </a:lnSpc>
             </a:pPr>
             <a:r>
-              <a:rPr lang="en-US" sz="2699" b="true">
+              <a:rPr lang="en-US" sz="3099">
                 <a:solidFill>
                   <a:srgbClr val="FBF6F3"/>
                 </a:solidFill>
-                <a:latin typeface="Clear Sans Bold"/>
-                <a:ea typeface="Clear Sans Bold"/>
-                <a:cs typeface="Clear Sans Bold"/>
-                <a:sym typeface="Clear Sans Bold"/>
+                <a:latin typeface="Clear Sans"/>
+                <a:ea typeface="Clear Sans"/>
+                <a:cs typeface="Clear Sans"/>
+                <a:sym typeface="Clear Sans"/>
               </a:rPr>
-              <a:t>3. Para cada hazard identificado FAZER</a:t>
-            </a:r>
-          </a:p>
-          <a:p>
-            <a:pPr algn="l">
-              <a:lnSpc>
-                <a:spcPts val="5399"/>
-              </a:lnSpc>
-            </a:pPr>
-            <a:r>
-              <a:rPr lang="en-US" sz="2699" b="true">
+              <a:t>Nó 'A' tem predecessores: [] </a:t>
+            </a:r>
+            <a:r>
+              <a:rPr lang="en-US" sz="3099">
                 <a:solidFill>
                   <a:srgbClr val="FBF6F3"/>
                 </a:solidFill>
-                <a:latin typeface="Clear Sans Bold"/>
-                <a:ea typeface="Clear Sans Bold"/>
-                <a:cs typeface="Clear Sans Bold"/>
-                <a:sym typeface="Clear Sans Bold"/>
+                <a:latin typeface="Clear Sans"/>
+                <a:ea typeface="Clear Sans"/>
+                <a:cs typeface="Clear Sans"/>
+                <a:sym typeface="Clear Sans"/>
               </a:rPr>
-              <a:t> Avaliar a probabilidade de ocorrência</a:t>
-            </a:r>
-          </a:p>
-          <a:p>
-            <a:pPr algn="l">
-              <a:lnSpc>
-                <a:spcPts val="5399"/>
-              </a:lnSpc>
-            </a:pPr>
-            <a:r>
-              <a:rPr lang="en-US" sz="2699" b="true">
-                <a:solidFill>
-                  <a:srgbClr val="FBF6F3"/>
-                </a:solidFill>
-                <a:latin typeface="Clear Sans Bold"/>
-                <a:ea typeface="Clear Sans Bold"/>
-                <a:cs typeface="Clear Sans Bold"/>
-                <a:sym typeface="Clear Sans Bold"/>
-              </a:rPr>
-              <a:t> Avaliar a severidade das consequências</a:t>
-            </a:r>
-          </a:p>
-          <a:p>
-            <a:pPr algn="l">
-              <a:lnSpc>
-                <a:spcPts val="5399"/>
-              </a:lnSpc>
-            </a:pPr>
-            <a:r>
-              <a:rPr lang="en-US" sz="2699" b="true">
-                <a:solidFill>
-                  <a:srgbClr val="FBF6F3"/>
-                </a:solidFill>
-                <a:latin typeface="Clear Sans Bold"/>
-                <a:ea typeface="Clear Sans Bold"/>
-                <a:cs typeface="Clear Sans Bold"/>
-                <a:sym typeface="Clear Sans Bold"/>
-              </a:rPr>
-              <a:t> Calcular o nível de risco</a:t>
-            </a:r>
-          </a:p>
-          <a:p>
-            <a:pPr algn="l">
-              <a:lnSpc>
-                <a:spcPts val="5399"/>
-              </a:lnSpc>
-            </a:pPr>
-            <a:r>
-              <a:rPr lang="en-US" sz="2699" b="true">
-                <a:solidFill>
-                  <a:srgbClr val="FBF6F3"/>
-                </a:solidFill>
-                <a:latin typeface="Clear Sans Bold"/>
-                <a:ea typeface="Clear Sans Bold"/>
-                <a:cs typeface="Clear Sans Bold"/>
-                <a:sym typeface="Clear Sans Bold"/>
-              </a:rPr>
-              <a:t> FIM PARA</a:t>
-            </a:r>
-          </a:p>
-          <a:p>
-            <a:pPr algn="l">
-              <a:lnSpc>
-                <a:spcPts val="5399"/>
-              </a:lnSpc>
-            </a:pPr>
-            <a:r>
-              <a:rPr lang="en-US" b="true" sz="2699">
-                <a:solidFill>
-                  <a:srgbClr val="FBF6F3"/>
-                </a:solidFill>
-                <a:latin typeface="Clear Sans Bold"/>
-                <a:ea typeface="Clear Sans Bold"/>
-                <a:cs typeface="Clear Sans Bold"/>
-                <a:sym typeface="Clear Sans Bold"/>
-              </a:rPr>
-              <a:t> 4. Comparar os níveis de risco com os critérios estabelecidos</a:t>
+              <a:t>Nenhum hazard encontrado para o nó 'A'.</a:t>
             </a:r>
           </a:p>
         </p:txBody>
@@ -5910,8 +6562,8 @@
         </p:nvSpPr>
         <p:spPr>
           <a:xfrm flipH="true" flipV="true" rot="0">
-            <a:off x="0" y="6138222"/>
-            <a:ext cx="4160184" cy="4114800"/>
+            <a:off x="0" y="7738053"/>
+            <a:ext cx="2577061" cy="2548947"/>
           </a:xfrm>
           <a:custGeom>
             <a:avLst/>
@@ -5920,31 +6572,31 @@
             <a:cxnLst/>
             <a:rect r="r" b="b" t="t" l="l"/>
             <a:pathLst>
-              <a:path h="4114800" w="4160184">
+              <a:path h="2548947" w="2577061">
                 <a:moveTo>
-                  <a:pt x="4160184" y="4114800"/>
+                  <a:pt x="2577061" y="2548947"/>
                 </a:moveTo>
                 <a:lnTo>
-                  <a:pt x="0" y="4114800"/>
+                  <a:pt x="0" y="2548947"/>
                 </a:lnTo>
                 <a:lnTo>
                   <a:pt x="0" y="0"/>
                 </a:lnTo>
                 <a:lnTo>
-                  <a:pt x="4160184" y="0"/>
+                  <a:pt x="2577061" y="0"/>
                 </a:lnTo>
                 <a:lnTo>
-                  <a:pt x="4160184" y="4114800"/>
+                  <a:pt x="2577061" y="2548947"/>
                 </a:lnTo>
                 <a:close/>
               </a:path>
             </a:pathLst>
           </a:custGeom>
           <a:blipFill>
-            <a:blip r:embed="rId2">
+            <a:blip r:embed="rId3">
               <a:extLst>
                 <a:ext uri="{96DAC541-7B7A-43D3-8B79-37D633B846F1}">
-                  <asvg:svgBlip xmlns:asvg="http://schemas.microsoft.com/office/drawing/2016/SVG/main" r:embed="rId3"/>
+                  <asvg:svgBlip xmlns:asvg="http://schemas.microsoft.com/office/drawing/2016/SVG/main" r:embed="rId4"/>
                 </a:ext>
               </a:extLst>
             </a:blip>
@@ -5956,47 +6608,55 @@
       </p:sp>
       <p:sp>
         <p:nvSpPr>
-          <p:cNvPr name="TextBox 8" id="8"/>
-          <p:cNvSpPr txBox="true"/>
+          <p:cNvPr name="Freeform 8" id="8"/>
+          <p:cNvSpPr/>
           <p:nvPr/>
         </p:nvSpPr>
         <p:spPr>
-          <a:xfrm rot="0">
-            <a:off x="531359" y="811257"/>
-            <a:ext cx="13905329" cy="1228725"/>
-          </a:xfrm>
-          <a:prstGeom prst="rect">
+          <a:xfrm flipH="true" flipV="true" rot="-10800000">
+            <a:off x="15710939" y="0"/>
+            <a:ext cx="2577061" cy="2548947"/>
+          </a:xfrm>
+          <a:custGeom>
             <a:avLst/>
-          </a:prstGeom>
+            <a:gdLst/>
+            <a:ahLst/>
+            <a:cxnLst/>
+            <a:rect r="r" b="b" t="t" l="l"/>
+            <a:pathLst>
+              <a:path h="2548947" w="2577061">
+                <a:moveTo>
+                  <a:pt x="2577061" y="2548947"/>
+                </a:moveTo>
+                <a:lnTo>
+                  <a:pt x="0" y="2548947"/>
+                </a:lnTo>
+                <a:lnTo>
+                  <a:pt x="0" y="0"/>
+                </a:lnTo>
+                <a:lnTo>
+                  <a:pt x="2577061" y="0"/>
+                </a:lnTo>
+                <a:lnTo>
+                  <a:pt x="2577061" y="2548947"/>
+                </a:lnTo>
+                <a:close/>
+              </a:path>
+            </a:pathLst>
+          </a:custGeom>
+          <a:blipFill>
+            <a:blip r:embed="rId3">
+              <a:extLst>
+                <a:ext uri="{96DAC541-7B7A-43D3-8B79-37D633B846F1}">
+                  <asvg:svgBlip xmlns:asvg="http://schemas.microsoft.com/office/drawing/2016/SVG/main" r:embed="rId4"/>
+                </a:ext>
+              </a:extLst>
+            </a:blip>
+            <a:stretch>
+              <a:fillRect l="0" t="0" r="0" b="0"/>
+            </a:stretch>
+          </a:blipFill>
         </p:spPr>
-        <p:txBody>
-          <a:bodyPr anchor="t" rtlCol="false" tIns="0" lIns="0" bIns="0" rIns="0">
-            <a:spAutoFit/>
-          </a:bodyPr>
-          <a:lstStyle/>
-          <a:p>
-            <a:pPr algn="just" marL="0" indent="0" lvl="0">
-              <a:lnSpc>
-                <a:spcPts val="9600"/>
-              </a:lnSpc>
-              <a:spcBef>
-                <a:spcPct val="0"/>
-              </a:spcBef>
-            </a:pPr>
-            <a:r>
-              <a:rPr lang="en-US" b="true" sz="8000" spc="464">
-                <a:solidFill>
-                  <a:srgbClr val="000000"/>
-                </a:solidFill>
-                <a:latin typeface="Anonymous Pro Bold"/>
-                <a:ea typeface="Anonymous Pro Bold"/>
-                <a:cs typeface="Anonymous Pro Bold"/>
-                <a:sym typeface="Anonymous Pro Bold"/>
-              </a:rPr>
-              <a:t>PSEUDOCÓDIGO</a:t>
-            </a:r>
-          </a:p>
-        </p:txBody>
       </p:sp>
     </p:spTree>
   </p:cSld>
@@ -6038,8 +6698,8 @@
         </p:nvSpPr>
         <p:spPr>
           <a:xfrm flipH="false" flipV="false" rot="0">
-            <a:off x="14127816" y="-17418"/>
-            <a:ext cx="4160184" cy="4114800"/>
+            <a:off x="1028700" y="1028700"/>
+            <a:ext cx="11065476" cy="8229600"/>
           </a:xfrm>
           <a:custGeom>
             <a:avLst/>
@@ -6048,18 +6708,18 @@
             <a:cxnLst/>
             <a:rect r="r" b="b" t="t" l="l"/>
             <a:pathLst>
-              <a:path h="4114800" w="4160184">
+              <a:path h="8229600" w="11065476">
                 <a:moveTo>
                   <a:pt x="0" y="0"/>
                 </a:moveTo>
                 <a:lnTo>
-                  <a:pt x="4160184" y="0"/>
+                  <a:pt x="11065476" y="0"/>
                 </a:lnTo>
                 <a:lnTo>
-                  <a:pt x="4160184" y="4114800"/>
+                  <a:pt x="11065476" y="8229600"/>
                 </a:lnTo>
                 <a:lnTo>
-                  <a:pt x="0" y="4114800"/>
+                  <a:pt x="0" y="8229600"/>
                 </a:lnTo>
                 <a:lnTo>
                   <a:pt x="0" y="0"/>
@@ -6069,10 +6729,56 @@
             </a:pathLst>
           </a:custGeom>
           <a:blipFill>
-            <a:blip r:embed="rId2">
+            <a:blip r:embed="rId2"/>
+            <a:stretch>
+              <a:fillRect l="0" t="0" r="0" b="0"/>
+            </a:stretch>
+          </a:blipFill>
+        </p:spPr>
+      </p:sp>
+      <p:sp>
+        <p:nvSpPr>
+          <p:cNvPr name="Freeform 3" id="3"/>
+          <p:cNvSpPr/>
+          <p:nvPr/>
+        </p:nvSpPr>
+        <p:spPr>
+          <a:xfrm flipH="true" flipV="true" rot="0">
+            <a:off x="-259830" y="7738053"/>
+            <a:ext cx="2577061" cy="2548947"/>
+          </a:xfrm>
+          <a:custGeom>
+            <a:avLst/>
+            <a:gdLst/>
+            <a:ahLst/>
+            <a:cxnLst/>
+            <a:rect r="r" b="b" t="t" l="l"/>
+            <a:pathLst>
+              <a:path h="2548947" w="2577061">
+                <a:moveTo>
+                  <a:pt x="2577060" y="2548947"/>
+                </a:moveTo>
+                <a:lnTo>
+                  <a:pt x="0" y="2548947"/>
+                </a:lnTo>
+                <a:lnTo>
+                  <a:pt x="0" y="0"/>
+                </a:lnTo>
+                <a:lnTo>
+                  <a:pt x="2577060" y="0"/>
+                </a:lnTo>
+                <a:lnTo>
+                  <a:pt x="2577060" y="2548947"/>
+                </a:lnTo>
+                <a:close/>
+              </a:path>
+            </a:pathLst>
+          </a:custGeom>
+          <a:blipFill>
+            <a:blip r:embed="rId3">
               <a:extLst>
                 <a:ext uri="{96DAC541-7B7A-43D3-8B79-37D633B846F1}">
-                  <asvg:svgBlip xmlns:asvg="http://schemas.microsoft.com/office/drawing/2016/SVG/main" r:embed="rId3"/>
+                  <asvg:svgBlip xmlns:asvg="http://schemas.microsoft.com/office/drawing/2016/SVG/main" r:embed="rId4"/>
                 </a:ext>
               </a:extLst>
             </a:blip>
@@ -6082,6 +6788,301 @@
           </a:blipFill>
         </p:spPr>
       </p:sp>
+      <p:sp>
+        <p:nvSpPr>
+          <p:cNvPr name="Freeform 4" id="4"/>
+          <p:cNvSpPr/>
+          <p:nvPr/>
+        </p:nvSpPr>
+        <p:spPr>
+          <a:xfrm flipH="true" flipV="true" rot="-10800000">
+            <a:off x="15710939" y="0"/>
+            <a:ext cx="2577061" cy="2548947"/>
+          </a:xfrm>
+          <a:custGeom>
+            <a:avLst/>
+            <a:gdLst/>
+            <a:ahLst/>
+            <a:cxnLst/>
+            <a:rect r="r" b="b" t="t" l="l"/>
+            <a:pathLst>
+              <a:path h="2548947" w="2577061">
+                <a:moveTo>
+                  <a:pt x="2577061" y="2548947"/>
+                </a:moveTo>
+                <a:lnTo>
+                  <a:pt x="0" y="2548947"/>
+                </a:lnTo>
+                <a:lnTo>
+                  <a:pt x="0" y="0"/>
+                </a:lnTo>
+                <a:lnTo>
+                  <a:pt x="2577061" y="0"/>
+                </a:lnTo>
+                <a:lnTo>
+                  <a:pt x="2577061" y="2548947"/>
+                </a:lnTo>
+                <a:close/>
+              </a:path>
+            </a:pathLst>
+          </a:custGeom>
+          <a:blipFill>
+            <a:blip r:embed="rId3">
+              <a:extLst>
+                <a:ext uri="{96DAC541-7B7A-43D3-8B79-37D633B846F1}">
+                  <asvg:svgBlip xmlns:asvg="http://schemas.microsoft.com/office/drawing/2016/SVG/main" r:embed="rId4"/>
+                </a:ext>
+              </a:extLst>
+            </a:blip>
+            <a:stretch>
+              <a:fillRect l="0" t="0" r="0" b="0"/>
+            </a:stretch>
+          </a:blipFill>
+        </p:spPr>
+      </p:sp>
+      <p:grpSp>
+        <p:nvGrpSpPr>
+          <p:cNvPr name="Group 5" id="5"/>
+          <p:cNvGrpSpPr/>
+          <p:nvPr/>
+        </p:nvGrpSpPr>
+        <p:grpSpPr>
+          <a:xfrm rot="0">
+            <a:off x="12227702" y="3062240"/>
+            <a:ext cx="5854484" cy="3769024"/>
+            <a:chOff x="0" y="0"/>
+            <a:chExt cx="1541922" cy="992665"/>
+          </a:xfrm>
+        </p:grpSpPr>
+        <p:sp>
+          <p:nvSpPr>
+            <p:cNvPr name="Freeform 6" id="6"/>
+            <p:cNvSpPr/>
+            <p:nvPr/>
+          </p:nvSpPr>
+          <p:spPr>
+            <a:xfrm flipH="false" flipV="false" rot="0">
+              <a:off x="0" y="0"/>
+              <a:ext cx="1541922" cy="992665"/>
+            </a:xfrm>
+            <a:custGeom>
+              <a:avLst/>
+              <a:gdLst/>
+              <a:ahLst/>
+              <a:cxnLst/>
+              <a:rect r="r" b="b" t="t" l="l"/>
+              <a:pathLst>
+                <a:path h="992665" w="1541922">
+                  <a:moveTo>
+                    <a:pt x="67442" y="0"/>
+                  </a:moveTo>
+                  <a:lnTo>
+                    <a:pt x="1474480" y="0"/>
+                  </a:lnTo>
+                  <a:cubicBezTo>
+                    <a:pt x="1511727" y="0"/>
+                    <a:pt x="1541922" y="30195"/>
+                    <a:pt x="1541922" y="67442"/>
+                  </a:cubicBezTo>
+                  <a:lnTo>
+                    <a:pt x="1541922" y="925223"/>
+                  </a:lnTo>
+                  <a:cubicBezTo>
+                    <a:pt x="1541922" y="962470"/>
+                    <a:pt x="1511727" y="992665"/>
+                    <a:pt x="1474480" y="992665"/>
+                  </a:cubicBezTo>
+                  <a:lnTo>
+                    <a:pt x="67442" y="992665"/>
+                  </a:lnTo>
+                  <a:cubicBezTo>
+                    <a:pt x="30195" y="992665"/>
+                    <a:pt x="0" y="962470"/>
+                    <a:pt x="0" y="925223"/>
+                  </a:cubicBezTo>
+                  <a:lnTo>
+                    <a:pt x="0" y="67442"/>
+                  </a:lnTo>
+                  <a:cubicBezTo>
+                    <a:pt x="0" y="30195"/>
+                    <a:pt x="30195" y="0"/>
+                    <a:pt x="67442" y="0"/>
+                  </a:cubicBezTo>
+                  <a:close/>
+                </a:path>
+              </a:pathLst>
+            </a:custGeom>
+            <a:solidFill>
+              <a:srgbClr val="595756"/>
+            </a:solidFill>
+          </p:spPr>
+        </p:sp>
+        <p:sp>
+          <p:nvSpPr>
+            <p:cNvPr name="TextBox 7" id="7"/>
+            <p:cNvSpPr txBox="true"/>
+            <p:nvPr/>
+          </p:nvSpPr>
+          <p:spPr>
+            <a:xfrm>
+              <a:off x="0" y="-85725"/>
+              <a:ext cx="1541922" cy="1078390"/>
+            </a:xfrm>
+            <a:prstGeom prst="rect">
+              <a:avLst/>
+            </a:prstGeom>
+          </p:spPr>
+          <p:txBody>
+            <a:bodyPr anchor="ctr" rtlCol="false" tIns="50800" lIns="50800" bIns="50800" rIns="50800"/>
+            <a:lstStyle/>
+            <a:p>
+              <a:pPr algn="ctr">
+                <a:lnSpc>
+                  <a:spcPts val="4072"/>
+                </a:lnSpc>
+              </a:pPr>
+            </a:p>
+          </p:txBody>
+        </p:sp>
+      </p:grpSp>
+      <p:sp>
+        <p:nvSpPr>
+          <p:cNvPr name="TextBox 8" id="8"/>
+          <p:cNvSpPr txBox="true"/>
+          <p:nvPr/>
+        </p:nvSpPr>
+        <p:spPr>
+          <a:xfrm rot="0">
+            <a:off x="12515134" y="3765334"/>
+            <a:ext cx="5279620" cy="2134235"/>
+          </a:xfrm>
+          <a:prstGeom prst="rect">
+            <a:avLst/>
+          </a:prstGeom>
+        </p:spPr>
+        <p:txBody>
+          <a:bodyPr anchor="t" rtlCol="false" tIns="0" lIns="0" bIns="0" rIns="0">
+            <a:spAutoFit/>
+          </a:bodyPr>
+          <a:lstStyle/>
+          <a:p>
+            <a:pPr algn="l">
+              <a:lnSpc>
+                <a:spcPts val="5800"/>
+              </a:lnSpc>
+            </a:pPr>
+            <a:r>
+              <a:rPr lang="en-US" sz="2900">
+                <a:solidFill>
+                  <a:srgbClr val="FBF6F3"/>
+                </a:solidFill>
+                <a:latin typeface="Clear Sans"/>
+                <a:ea typeface="Clear Sans"/>
+                <a:cs typeface="Clear Sans"/>
+                <a:sym typeface="Clear Sans"/>
+              </a:rPr>
+              <a:t>Nó 'B' tem predecessores: ['A']</a:t>
+            </a:r>
+          </a:p>
+          <a:p>
+            <a:pPr algn="l">
+              <a:lnSpc>
+                <a:spcPts val="5800"/>
+              </a:lnSpc>
+            </a:pPr>
+            <a:r>
+              <a:rPr lang="en-US" sz="2900">
+                <a:solidFill>
+                  <a:srgbClr val="FBF6F3"/>
+                </a:solidFill>
+                <a:latin typeface="Clear Sans"/>
+                <a:ea typeface="Clear Sans"/>
+                <a:cs typeface="Clear Sans"/>
+                <a:sym typeface="Clear Sans"/>
+              </a:rPr>
+              <a:t>Nenhum hazard encontrado para o nó 'B'.</a:t>
+            </a:r>
+          </a:p>
+        </p:txBody>
+      </p:sp>
+    </p:spTree>
+  </p:cSld>
+  <p:clrMapOvr>
+    <a:masterClrMapping/>
+  </p:clrMapOvr>
+</p:sld>
+</file>
+
+<file path=ppt/slides/slide8.xml><?xml version="1.0" encoding="utf-8"?>
+<p:sld xmlns:p="http://schemas.openxmlformats.org/presentationml/2006/main" xmlns:a="http://schemas.openxmlformats.org/drawingml/2006/main" xmlns:r="http://schemas.openxmlformats.org/officeDocument/2006/relationships">
+  <p:cSld>
+    <p:bg>
+      <p:bgPr>
+        <a:solidFill>
+          <a:srgbClr val="FBF6F3"/>
+        </a:solidFill>
+      </p:bgPr>
+    </p:bg>
+    <p:spTree>
+      <p:nvGrpSpPr>
+        <p:cNvPr id="1" name=""/>
+        <p:cNvGrpSpPr/>
+        <p:nvPr/>
+      </p:nvGrpSpPr>
+      <p:grpSpPr>
+        <a:xfrm>
+          <a:off x="0" y="0"/>
+          <a:ext cx="0" cy="0"/>
+          <a:chOff x="0" y="0"/>
+          <a:chExt cx="0" cy="0"/>
+        </a:xfrm>
+      </p:grpSpPr>
+      <p:sp>
+        <p:nvSpPr>
+          <p:cNvPr name="Freeform 2" id="2"/>
+          <p:cNvSpPr/>
+          <p:nvPr/>
+        </p:nvSpPr>
+        <p:spPr>
+          <a:xfrm flipH="false" flipV="false" rot="0">
+            <a:off x="1028700" y="1028700"/>
+            <a:ext cx="10921525" cy="8229600"/>
+          </a:xfrm>
+          <a:custGeom>
+            <a:avLst/>
+            <a:gdLst/>
+            <a:ahLst/>
+            <a:cxnLst/>
+            <a:rect r="r" b="b" t="t" l="l"/>
+            <a:pathLst>
+              <a:path h="8229600" w="10921525">
+                <a:moveTo>
+                  <a:pt x="0" y="0"/>
+                </a:moveTo>
+                <a:lnTo>
+                  <a:pt x="10921525" y="0"/>
+                </a:lnTo>
+                <a:lnTo>
+                  <a:pt x="10921525" y="8229600"/>
+                </a:lnTo>
+                <a:lnTo>
+                  <a:pt x="0" y="8229600"/>
+                </a:lnTo>
+                <a:lnTo>
+                  <a:pt x="0" y="0"/>
+                </a:lnTo>
+                <a:close/>
+              </a:path>
+            </a:pathLst>
+          </a:custGeom>
+          <a:blipFill>
+            <a:blip r:embed="rId2"/>
+            <a:stretch>
+              <a:fillRect l="0" t="0" r="0" b="0"/>
+            </a:stretch>
+          </a:blipFill>
+        </p:spPr>
+      </p:sp>
       <p:grpSp>
         <p:nvGrpSpPr>
           <p:cNvPr name="Group 3" id="3"/>
@@ -6090,10 +7091,10 @@
         </p:nvGrpSpPr>
         <p:grpSpPr>
           <a:xfrm rot="0">
-            <a:off x="4822808" y="2404728"/>
-            <a:ext cx="10230769" cy="7466987"/>
+            <a:off x="12227702" y="3482932"/>
+            <a:ext cx="5854484" cy="3769024"/>
             <a:chOff x="0" y="0"/>
-            <a:chExt cx="2694523" cy="1966614"/>
+            <a:chExt cx="1541922" cy="992665"/>
           </a:xfrm>
         </p:grpSpPr>
         <p:sp>
@@ -6105,7 +7106,7 @@
           <p:spPr>
             <a:xfrm flipH="false" flipV="false" rot="0">
               <a:off x="0" y="0"/>
-              <a:ext cx="2694524" cy="1966614"/>
+              <a:ext cx="1541922" cy="992665"/>
             </a:xfrm>
             <a:custGeom>
               <a:avLst/>
@@ -6114,41 +7115,41 @@
               <a:cxnLst/>
               <a:rect r="r" b="b" t="t" l="l"/>
               <a:pathLst>
-                <a:path h="1966614" w="2694524">
+                <a:path h="992665" w="1541922">
                   <a:moveTo>
-                    <a:pt x="38593" y="0"/>
+                    <a:pt x="67442" y="0"/>
                   </a:moveTo>
                   <a:lnTo>
-                    <a:pt x="2655930" y="0"/>
+                    <a:pt x="1474480" y="0"/>
                   </a:lnTo>
                   <a:cubicBezTo>
-                    <a:pt x="2677245" y="0"/>
-                    <a:pt x="2694524" y="17279"/>
-                    <a:pt x="2694524" y="38593"/>
+                    <a:pt x="1511727" y="0"/>
+                    <a:pt x="1541922" y="30195"/>
+                    <a:pt x="1541922" y="67442"/>
                   </a:cubicBezTo>
                   <a:lnTo>
-                    <a:pt x="2694524" y="1928021"/>
+                    <a:pt x="1541922" y="925223"/>
                   </a:lnTo>
                   <a:cubicBezTo>
-                    <a:pt x="2694524" y="1949335"/>
-                    <a:pt x="2677245" y="1966614"/>
-                    <a:pt x="2655930" y="1966614"/>
+                    <a:pt x="1541922" y="962470"/>
+                    <a:pt x="1511727" y="992665"/>
+                    <a:pt x="1474480" y="992665"/>
                   </a:cubicBezTo>
                   <a:lnTo>
-                    <a:pt x="38593" y="1966614"/>
+                    <a:pt x="67442" y="992665"/>
                   </a:lnTo>
                   <a:cubicBezTo>
-                    <a:pt x="17279" y="1966614"/>
-                    <a:pt x="0" y="1949335"/>
-                    <a:pt x="0" y="1928021"/>
+                    <a:pt x="30195" y="992665"/>
+                    <a:pt x="0" y="962470"/>
+                    <a:pt x="0" y="925223"/>
                   </a:cubicBezTo>
                   <a:lnTo>
-                    <a:pt x="0" y="38593"/>
+                    <a:pt x="0" y="67442"/>
                   </a:lnTo>
                   <a:cubicBezTo>
-                    <a:pt x="0" y="17279"/>
-                    <a:pt x="17279" y="0"/>
-                    <a:pt x="38593" y="0"/>
+                    <a:pt x="0" y="30195"/>
+                    <a:pt x="30195" y="0"/>
+                    <a:pt x="67442" y="0"/>
                   </a:cubicBezTo>
                   <a:close/>
                 </a:path>
@@ -6168,7 +7169,7 @@
           <p:spPr>
             <a:xfrm>
               <a:off x="0" y="-85725"/>
-              <a:ext cx="2694523" cy="2052339"/>
+              <a:ext cx="1541922" cy="1078390"/>
             </a:xfrm>
             <a:prstGeom prst="rect">
               <a:avLst/>
@@ -6195,8 +7196,8 @@
         </p:nvSpPr>
         <p:spPr>
           <a:xfrm rot="0">
-            <a:off x="6101017" y="3708394"/>
-            <a:ext cx="7674351" cy="4659632"/>
+            <a:off x="12515134" y="4186027"/>
+            <a:ext cx="5279620" cy="2867660"/>
           </a:xfrm>
           <a:prstGeom prst="rect">
             <a:avLst/>
@@ -6210,110 +7211,92 @@
           <a:p>
             <a:pPr algn="l">
               <a:lnSpc>
-                <a:spcPts val="5399"/>
+                <a:spcPts val="5800"/>
               </a:lnSpc>
             </a:pPr>
             <a:r>
-              <a:rPr lang="en-US" sz="2699" b="true">
+              <a:rPr lang="en-US" sz="2900">
                 <a:solidFill>
                   <a:srgbClr val="FBF6F3"/>
                 </a:solidFill>
-                <a:latin typeface="Clear Sans Bold"/>
-                <a:ea typeface="Clear Sans Bold"/>
-                <a:cs typeface="Clear Sans Bold"/>
-                <a:sym typeface="Clear Sans Bold"/>
+                <a:latin typeface="Clear Sans"/>
+                <a:ea typeface="Clear Sans"/>
+                <a:cs typeface="Clear Sans"/>
+                <a:sym typeface="Clear Sans"/>
               </a:rPr>
-              <a:t>5. Priorizar os hazards</a:t>
+              <a:t>Nó 'C' tem predecessores: ['A']</a:t>
             </a:r>
           </a:p>
           <a:p>
             <a:pPr algn="l">
               <a:lnSpc>
-                <a:spcPts val="5399"/>
+                <a:spcPts val="5800"/>
               </a:lnSpc>
             </a:pPr>
             <a:r>
-              <a:rPr lang="en-US" sz="2699" b="true">
+              <a:rPr lang="en-US" sz="2900">
                 <a:solidFill>
                   <a:srgbClr val="FBF6F3"/>
                 </a:solidFill>
-                <a:latin typeface="Clear Sans Bold"/>
-                <a:ea typeface="Clear Sans Bold"/>
-                <a:cs typeface="Clear Sans Bold"/>
-                <a:sym typeface="Clear Sans Bold"/>
+                <a:latin typeface="Clear Sans"/>
+                <a:ea typeface="Clear Sans"/>
+                <a:cs typeface="Clear Sans"/>
+                <a:sym typeface="Clear Sans"/>
               </a:rPr>
-              <a:t> 6. Elaborar um plano de ação para controlar os riscos</a:t>
+              <a:t>Nenhum hazard encontrado para o nó 'C'.</a:t>
             </a:r>
           </a:p>
           <a:p>
             <a:pPr algn="l">
               <a:lnSpc>
-                <a:spcPts val="5399"/>
+                <a:spcPts val="5800"/>
               </a:lnSpc>
             </a:pPr>
-            <a:r>
-              <a:rPr lang="en-US" sz="2699" b="true">
-                <a:solidFill>
-                  <a:srgbClr val="FBF6F3"/>
-                </a:solidFill>
-                <a:latin typeface="Clear Sans Bold"/>
-                <a:ea typeface="Clear Sans Bold"/>
-                <a:cs typeface="Clear Sans Bold"/>
-                <a:sym typeface="Clear Sans Bold"/>
-              </a:rPr>
-              <a:t> 7. Implementar o plano de ação</a:t>
-            </a:r>
-          </a:p>
-          <a:p>
-            <a:pPr algn="l">
-              <a:lnSpc>
-                <a:spcPts val="5399"/>
-              </a:lnSpc>
-            </a:pPr>
-            <a:r>
-              <a:rPr lang="en-US" sz="2699" b="true">
-                <a:solidFill>
-                  <a:srgbClr val="FBF6F3"/>
-                </a:solidFill>
-                <a:latin typeface="Clear Sans Bold"/>
-                <a:ea typeface="Clear Sans Bold"/>
-                <a:cs typeface="Clear Sans Bold"/>
-                <a:sym typeface="Clear Sans Bold"/>
-              </a:rPr>
-              <a:t> 8. Monitorar e revisar o plano de ação periodicamente</a:t>
-            </a:r>
-          </a:p>
-          <a:p>
-            <a:pPr algn="l">
-              <a:lnSpc>
-                <a:spcPts val="5399"/>
-              </a:lnSpc>
-            </a:pPr>
-            <a:r>
-              <a:rPr lang="en-US" b="true" sz="2699">
-                <a:solidFill>
-                  <a:srgbClr val="FBF6F3"/>
-                </a:solidFill>
-                <a:latin typeface="Clear Sans Bold"/>
-                <a:ea typeface="Clear Sans Bold"/>
-                <a:cs typeface="Clear Sans Bold"/>
-                <a:sym typeface="Clear Sans Bold"/>
-              </a:rPr>
-              <a:t>FIM ALGORITMO</a:t>
-            </a:r>
-          </a:p>
-        </p:txBody>
-      </p:sp>
-      <p:sp>
-        <p:nvSpPr>
-          <p:cNvPr name="Freeform 7" id="7"/>
+          </a:p>
+        </p:txBody>
+      </p:sp>
+    </p:spTree>
+  </p:cSld>
+  <p:clrMapOvr>
+    <a:masterClrMapping/>
+  </p:clrMapOvr>
+</p:sld>
+</file>
+
+<file path=ppt/slides/slide9.xml><?xml version="1.0" encoding="utf-8"?>
+<p:sld xmlns:p="http://schemas.openxmlformats.org/presentationml/2006/main" xmlns:a="http://schemas.openxmlformats.org/drawingml/2006/main" xmlns:r="http://schemas.openxmlformats.org/officeDocument/2006/relationships">
+  <p:cSld>
+    <p:bg>
+      <p:bgPr>
+        <a:solidFill>
+          <a:srgbClr val="FBF6F3"/>
+        </a:solidFill>
+      </p:bgPr>
+    </p:bg>
+    <p:spTree>
+      <p:nvGrpSpPr>
+        <p:cNvPr id="1" name=""/>
+        <p:cNvGrpSpPr/>
+        <p:nvPr/>
+      </p:nvGrpSpPr>
+      <p:grpSpPr>
+        <a:xfrm>
+          <a:off x="0" y="0"/>
+          <a:ext cx="0" cy="0"/>
+          <a:chOff x="0" y="0"/>
+          <a:chExt cx="0" cy="0"/>
+        </a:xfrm>
+      </p:grpSpPr>
+      <p:sp>
+        <p:nvSpPr>
+          <p:cNvPr name="Freeform 2" id="2"/>
           <p:cNvSpPr/>
           <p:nvPr/>
         </p:nvSpPr>
         <p:spPr>
-          <a:xfrm flipH="true" flipV="true" rot="0">
-            <a:off x="0" y="6138222"/>
-            <a:ext cx="4160184" cy="4114800"/>
+          <a:xfrm flipH="false" flipV="false" rot="0">
+            <a:off x="1028700" y="1028700"/>
+            <a:ext cx="10921319" cy="8229600"/>
           </a:xfrm>
           <a:custGeom>
             <a:avLst/>
@@ -6322,50 +7305,149 @@
             <a:cxnLst/>
             <a:rect r="r" b="b" t="t" l="l"/>
             <a:pathLst>
-              <a:path h="4114800" w="4160184">
+              <a:path h="8229600" w="10921319">
                 <a:moveTo>
-                  <a:pt x="4160184" y="4114800"/>
+                  <a:pt x="0" y="0"/>
                 </a:moveTo>
                 <a:lnTo>
-                  <a:pt x="0" y="4114800"/>
+                  <a:pt x="10921319" y="0"/>
+                </a:lnTo>
+                <a:lnTo>
+                  <a:pt x="10921319" y="8229600"/>
+                </a:lnTo>
+                <a:lnTo>
+                  <a:pt x="0" y="8229600"/>
                 </a:lnTo>
                 <a:lnTo>
                   <a:pt x="0" y="0"/>
-                </a:lnTo>
-                <a:lnTo>
-                  <a:pt x="4160184" y="0"/>
-                </a:lnTo>
-                <a:lnTo>
-                  <a:pt x="4160184" y="4114800"/>
                 </a:lnTo>
                 <a:close/>
               </a:path>
             </a:pathLst>
           </a:custGeom>
           <a:blipFill>
-            <a:blip r:embed="rId2">
-              <a:extLst>
-                <a:ext uri="{96DAC541-7B7A-43D3-8B79-37D633B846F1}">
-                  <asvg:svgBlip xmlns:asvg="http://schemas.microsoft.com/office/drawing/2016/SVG/main" r:embed="rId3"/>
-                </a:ext>
-              </a:extLst>
-            </a:blip>
+            <a:blip r:embed="rId2"/>
             <a:stretch>
               <a:fillRect l="0" t="0" r="0" b="0"/>
             </a:stretch>
           </a:blipFill>
         </p:spPr>
       </p:sp>
-      <p:sp>
-        <p:nvSpPr>
-          <p:cNvPr name="TextBox 8" id="8"/>
+      <p:grpSp>
+        <p:nvGrpSpPr>
+          <p:cNvPr name="Group 3" id="3"/>
+          <p:cNvGrpSpPr/>
+          <p:nvPr/>
+        </p:nvGrpSpPr>
+        <p:grpSpPr>
+          <a:xfrm rot="0">
+            <a:off x="12227702" y="3258988"/>
+            <a:ext cx="5854484" cy="3769024"/>
+            <a:chOff x="0" y="0"/>
+            <a:chExt cx="1541922" cy="992665"/>
+          </a:xfrm>
+        </p:grpSpPr>
+        <p:sp>
+          <p:nvSpPr>
+            <p:cNvPr name="Freeform 4" id="4"/>
+            <p:cNvSpPr/>
+            <p:nvPr/>
+          </p:nvSpPr>
+          <p:spPr>
+            <a:xfrm flipH="false" flipV="false" rot="0">
+              <a:off x="0" y="0"/>
+              <a:ext cx="1541922" cy="992665"/>
+            </a:xfrm>
+            <a:custGeom>
+              <a:avLst/>
+              <a:gdLst/>
+              <a:ahLst/>
+              <a:cxnLst/>
+              <a:rect r="r" b="b" t="t" l="l"/>
+              <a:pathLst>
+                <a:path h="992665" w="1541922">
+                  <a:moveTo>
+                    <a:pt x="67442" y="0"/>
+                  </a:moveTo>
+                  <a:lnTo>
+                    <a:pt x="1474480" y="0"/>
+                  </a:lnTo>
+                  <a:cubicBezTo>
+                    <a:pt x="1511727" y="0"/>
+                    <a:pt x="1541922" y="30195"/>
+                    <a:pt x="1541922" y="67442"/>
+                  </a:cubicBezTo>
+                  <a:lnTo>
+                    <a:pt x="1541922" y="925223"/>
+                  </a:lnTo>
+                  <a:cubicBezTo>
+                    <a:pt x="1541922" y="962470"/>
+                    <a:pt x="1511727" y="992665"/>
+                    <a:pt x="1474480" y="992665"/>
+                  </a:cubicBezTo>
+                  <a:lnTo>
+                    <a:pt x="67442" y="992665"/>
+                  </a:lnTo>
+                  <a:cubicBezTo>
+                    <a:pt x="30195" y="992665"/>
+                    <a:pt x="0" y="962470"/>
+                    <a:pt x="0" y="925223"/>
+                  </a:cubicBezTo>
+                  <a:lnTo>
+                    <a:pt x="0" y="67442"/>
+                  </a:lnTo>
+                  <a:cubicBezTo>
+                    <a:pt x="0" y="30195"/>
+                    <a:pt x="30195" y="0"/>
+                    <a:pt x="67442" y="0"/>
+                  </a:cubicBezTo>
+                  <a:close/>
+                </a:path>
+              </a:pathLst>
+            </a:custGeom>
+            <a:solidFill>
+              <a:srgbClr val="595756"/>
+            </a:solidFill>
+          </p:spPr>
+        </p:sp>
+        <p:sp>
+          <p:nvSpPr>
+            <p:cNvPr name="TextBox 5" id="5"/>
+            <p:cNvSpPr txBox="true"/>
+            <p:nvPr/>
+          </p:nvSpPr>
+          <p:spPr>
+            <a:xfrm>
+              <a:off x="0" y="-85725"/>
+              <a:ext cx="1541922" cy="1078390"/>
+            </a:xfrm>
+            <a:prstGeom prst="rect">
+              <a:avLst/>
+            </a:prstGeom>
+          </p:spPr>
+          <p:txBody>
+            <a:bodyPr anchor="ctr" rtlCol="false" tIns="50800" lIns="50800" bIns="50800" rIns="50800"/>
+            <a:lstStyle/>
+            <a:p>
+              <a:pPr algn="ctr">
+                <a:lnSpc>
+                  <a:spcPts val="4072"/>
+                </a:lnSpc>
+              </a:pPr>
+            </a:p>
+          </p:txBody>
+        </p:sp>
+      </p:grpSp>
+      <p:sp>
+        <p:nvSpPr>
+          <p:cNvPr name="TextBox 6" id="6"/>
           <p:cNvSpPr txBox="true"/>
           <p:nvPr/>
         </p:nvSpPr>
         <p:spPr>
           <a:xfrm rot="0">
-            <a:off x="531359" y="811257"/>
-            <a:ext cx="13905329" cy="1228725"/>
+            <a:off x="12515134" y="4099243"/>
+            <a:ext cx="5279620" cy="1898014"/>
           </a:xfrm>
           <a:prstGeom prst="rect">
             <a:avLst/>
@@ -6377,25 +7459,41 @@
           </a:bodyPr>
           <a:lstStyle/>
           <a:p>
-            <a:pPr algn="just" marL="0" indent="0" lvl="0">
+            <a:pPr algn="l">
               <a:lnSpc>
-                <a:spcPts val="9600"/>
+                <a:spcPts val="5200"/>
               </a:lnSpc>
-              <a:spcBef>
-                <a:spcPct val="0"/>
-              </a:spcBef>
             </a:pPr>
             <a:r>
-              <a:rPr lang="en-US" b="true" sz="8000" spc="464">
-                <a:solidFill>
-                  <a:srgbClr val="000000"/>
-                </a:solidFill>
-                <a:latin typeface="Anonymous Pro Bold"/>
-                <a:ea typeface="Anonymous Pro Bold"/>
-                <a:cs typeface="Anonymous Pro Bold"/>
-                <a:sym typeface="Anonymous Pro Bold"/>
+              <a:rPr lang="en-US" sz="2600">
+                <a:solidFill>
+                  <a:srgbClr val="FBF6F3"/>
+                </a:solidFill>
+                <a:latin typeface="Clear Sans"/>
+                <a:ea typeface="Clear Sans"/>
+                <a:cs typeface="Clear Sans"/>
+                <a:sym typeface="Clear Sans"/>
               </a:rPr>
-              <a:t>PSEUDOCÓDIGO</a:t>
+              <a:t>Nó 'D' tem predecessores: ['B', 'C']</a:t>
+            </a:r>
+          </a:p>
+          <a:p>
+            <a:pPr algn="l">
+              <a:lnSpc>
+                <a:spcPts val="5200"/>
+              </a:lnSpc>
+            </a:pPr>
+            <a:r>
+              <a:rPr lang="en-US" sz="2600">
+                <a:solidFill>
+                  <a:srgbClr val="FBF6F3"/>
+                </a:solidFill>
+                <a:latin typeface="Clear Sans"/>
+                <a:ea typeface="Clear Sans"/>
+                <a:cs typeface="Clear Sans"/>
+                <a:sym typeface="Clear Sans"/>
+              </a:rPr>
+              <a:t>Possível hazard identificado: B, C -&gt; D</a:t>
             </a:r>
           </a:p>
         </p:txBody>

--- a/seminário/Busca de hazards.pptx
+++ b/seminário/Busca de hazards.pptx
@@ -16,29 +16,30 @@
     <p:sldId id="264" r:id="rId14"/>
     <p:sldId id="265" r:id="rId15"/>
     <p:sldId id="266" r:id="rId16"/>
+    <p:sldId id="267" r:id="rId17"/>
   </p:sldIdLst>
   <p:sldSz cx="18288000" cy="10287000"/>
   <p:notesSz cx="6858000" cy="9144000"/>
   <p:embeddedFontLst>
     <p:embeddedFont>
       <p:font typeface="Anonymous Pro Bold" charset="1" panose="02060809030202000504"/>
-      <p:regular r:id="rId17"/>
+      <p:regular r:id="rId18"/>
     </p:embeddedFont>
     <p:embeddedFont>
       <p:font typeface="Clear Sans" charset="1" panose="020B0503030202020304"/>
-      <p:regular r:id="rId18"/>
+      <p:regular r:id="rId19"/>
     </p:embeddedFont>
     <p:embeddedFont>
       <p:font typeface="Clear Sans Thin" charset="1" panose="020B0203030202020304"/>
-      <p:regular r:id="rId19"/>
+      <p:regular r:id="rId20"/>
     </p:embeddedFont>
     <p:embeddedFont>
       <p:font typeface="Clear Sans Light" charset="1" panose="020B0303030202020304"/>
-      <p:regular r:id="rId20"/>
+      <p:regular r:id="rId21"/>
     </p:embeddedFont>
     <p:embeddedFont>
       <p:font typeface="Clear Sans Bold" charset="1" panose="020B0803030202020304"/>
-      <p:regular r:id="rId21"/>
+      <p:regular r:id="rId22"/>
     </p:embeddedFont>
   </p:embeddedFontLst>
   <p:defaultTextStyle>
@@ -4002,6 +4003,354 @@
 </p:sld>
 </file>
 
+<file path=ppt/slides/slide12.xml><?xml version="1.0" encoding="utf-8"?>
+<p:sld xmlns:p="http://schemas.openxmlformats.org/presentationml/2006/main" xmlns:a="http://schemas.openxmlformats.org/drawingml/2006/main" xmlns:r="http://schemas.openxmlformats.org/officeDocument/2006/relationships">
+  <p:cSld>
+    <p:bg>
+      <p:bgPr>
+        <a:solidFill>
+          <a:srgbClr val="FBF6F3"/>
+        </a:solidFill>
+      </p:bgPr>
+    </p:bg>
+    <p:spTree>
+      <p:nvGrpSpPr>
+        <p:cNvPr id="1" name=""/>
+        <p:cNvGrpSpPr/>
+        <p:nvPr/>
+      </p:nvGrpSpPr>
+      <p:grpSpPr>
+        <a:xfrm>
+          <a:off x="0" y="0"/>
+          <a:ext cx="0" cy="0"/>
+          <a:chOff x="0" y="0"/>
+          <a:chExt cx="0" cy="0"/>
+        </a:xfrm>
+      </p:grpSpPr>
+      <p:sp>
+        <p:nvSpPr>
+          <p:cNvPr name="Freeform 2" id="2"/>
+          <p:cNvSpPr/>
+          <p:nvPr/>
+        </p:nvSpPr>
+        <p:spPr>
+          <a:xfrm flipH="false" flipV="false" rot="0">
+            <a:off x="15201900" y="7239000"/>
+            <a:ext cx="4114800" cy="4114800"/>
+          </a:xfrm>
+          <a:custGeom>
+            <a:avLst/>
+            <a:gdLst/>
+            <a:ahLst/>
+            <a:cxnLst/>
+            <a:rect r="r" b="b" t="t" l="l"/>
+            <a:pathLst>
+              <a:path h="4114800" w="4114800">
+                <a:moveTo>
+                  <a:pt x="0" y="0"/>
+                </a:moveTo>
+                <a:lnTo>
+                  <a:pt x="4114800" y="0"/>
+                </a:lnTo>
+                <a:lnTo>
+                  <a:pt x="4114800" y="4114800"/>
+                </a:lnTo>
+                <a:lnTo>
+                  <a:pt x="0" y="4114800"/>
+                </a:lnTo>
+                <a:lnTo>
+                  <a:pt x="0" y="0"/>
+                </a:lnTo>
+                <a:close/>
+              </a:path>
+            </a:pathLst>
+          </a:custGeom>
+          <a:blipFill>
+            <a:blip r:embed="rId2">
+              <a:extLst>
+                <a:ext uri="{96DAC541-7B7A-43D3-8B79-37D633B846F1}">
+                  <asvg:svgBlip xmlns:asvg="http://schemas.microsoft.com/office/drawing/2016/SVG/main" r:embed="rId3"/>
+                </a:ext>
+              </a:extLst>
+            </a:blip>
+            <a:stretch>
+              <a:fillRect l="0" t="0" r="0" b="0"/>
+            </a:stretch>
+          </a:blipFill>
+        </p:spPr>
+      </p:sp>
+      <p:sp>
+        <p:nvSpPr>
+          <p:cNvPr name="TextBox 3" id="3"/>
+          <p:cNvSpPr txBox="true"/>
+          <p:nvPr/>
+        </p:nvSpPr>
+        <p:spPr>
+          <a:xfrm rot="0">
+            <a:off x="3930286" y="1019175"/>
+            <a:ext cx="10131094" cy="1228725"/>
+          </a:xfrm>
+          <a:prstGeom prst="rect">
+            <a:avLst/>
+          </a:prstGeom>
+        </p:spPr>
+        <p:txBody>
+          <a:bodyPr anchor="t" rtlCol="false" tIns="0" lIns="0" bIns="0" rIns="0">
+            <a:spAutoFit/>
+          </a:bodyPr>
+          <a:lstStyle/>
+          <a:p>
+            <a:pPr algn="l" marL="0" indent="0" lvl="0">
+              <a:lnSpc>
+                <a:spcPts val="9600"/>
+              </a:lnSpc>
+              <a:spcBef>
+                <a:spcPct val="0"/>
+              </a:spcBef>
+            </a:pPr>
+            <a:r>
+              <a:rPr lang="en-US" b="true" sz="8000" spc="464">
+                <a:solidFill>
+                  <a:srgbClr val="000000"/>
+                </a:solidFill>
+                <a:latin typeface="Anonymous Pro Bold"/>
+                <a:ea typeface="Anonymous Pro Bold"/>
+                <a:cs typeface="Anonymous Pro Bold"/>
+                <a:sym typeface="Anonymous Pro Bold"/>
+              </a:rPr>
+              <a:t>POTENCIALIDADES</a:t>
+            </a:r>
+          </a:p>
+        </p:txBody>
+      </p:sp>
+      <p:sp>
+        <p:nvSpPr>
+          <p:cNvPr name="TextBox 4" id="4"/>
+          <p:cNvSpPr txBox="true"/>
+          <p:nvPr/>
+        </p:nvSpPr>
+        <p:spPr>
+          <a:xfrm rot="0">
+            <a:off x="4700133" y="2533015"/>
+            <a:ext cx="9361247" cy="1960245"/>
+          </a:xfrm>
+          <a:prstGeom prst="rect">
+            <a:avLst/>
+          </a:prstGeom>
+        </p:spPr>
+        <p:txBody>
+          <a:bodyPr anchor="t" rtlCol="false" tIns="0" lIns="0" bIns="0" rIns="0">
+            <a:spAutoFit/>
+          </a:bodyPr>
+          <a:lstStyle/>
+          <a:p>
+            <a:pPr algn="just" marL="874395" indent="-437197" lvl="1">
+              <a:lnSpc>
+                <a:spcPts val="8100"/>
+              </a:lnSpc>
+              <a:buFont typeface="Arial"/>
+              <a:buChar char="•"/>
+            </a:pPr>
+            <a:r>
+              <a:rPr lang="en-US" sz="4050">
+                <a:solidFill>
+                  <a:srgbClr val="000000"/>
+                </a:solidFill>
+                <a:latin typeface="Clear Sans Thin"/>
+                <a:ea typeface="Clear Sans Thin"/>
+                <a:cs typeface="Clear Sans Thin"/>
+                <a:sym typeface="Clear Sans Thin"/>
+              </a:rPr>
+              <a:t>Facilidade de extensão</a:t>
+            </a:r>
+          </a:p>
+          <a:p>
+            <a:pPr algn="l" marL="874395" indent="-437197" lvl="1">
+              <a:lnSpc>
+                <a:spcPts val="8100"/>
+              </a:lnSpc>
+              <a:buFont typeface="Arial"/>
+              <a:buChar char="•"/>
+            </a:pPr>
+            <a:r>
+              <a:rPr lang="en-US" sz="4050">
+                <a:solidFill>
+                  <a:srgbClr val="000000"/>
+                </a:solidFill>
+                <a:latin typeface="Clear Sans Thin"/>
+                <a:ea typeface="Clear Sans Thin"/>
+                <a:cs typeface="Clear Sans Thin"/>
+                <a:sym typeface="Clear Sans Thin"/>
+              </a:rPr>
+              <a:t>Simplicidade e clareza</a:t>
+            </a:r>
+          </a:p>
+        </p:txBody>
+      </p:sp>
+      <p:sp>
+        <p:nvSpPr>
+          <p:cNvPr name="AutoShape 5" id="5"/>
+          <p:cNvSpPr/>
+          <p:nvPr/>
+        </p:nvSpPr>
+        <p:spPr>
+          <a:xfrm rot="5400000">
+            <a:off x="-4972522" y="3239142"/>
+            <a:ext cx="12038317" cy="0"/>
+          </a:xfrm>
+          <a:prstGeom prst="line">
+            <a:avLst/>
+          </a:prstGeom>
+          <a:ln cap="flat" w="38100">
+            <a:solidFill>
+              <a:srgbClr val="000000"/>
+            </a:solidFill>
+            <a:prstDash val="solid"/>
+            <a:headEnd type="none" len="sm" w="sm"/>
+            <a:tailEnd type="none" len="sm" w="sm"/>
+          </a:ln>
+        </p:spPr>
+      </p:sp>
+      <p:sp>
+        <p:nvSpPr>
+          <p:cNvPr name="AutoShape 6" id="6"/>
+          <p:cNvSpPr/>
+          <p:nvPr/>
+        </p:nvSpPr>
+        <p:spPr>
+          <a:xfrm rot="0">
+            <a:off x="1027587" y="9258300"/>
+            <a:ext cx="2131373" cy="0"/>
+          </a:xfrm>
+          <a:prstGeom prst="line">
+            <a:avLst/>
+          </a:prstGeom>
+          <a:ln cap="flat" w="38100">
+            <a:solidFill>
+              <a:srgbClr val="000000"/>
+            </a:solidFill>
+            <a:prstDash val="solid"/>
+            <a:headEnd type="none" len="sm" w="sm"/>
+            <a:tailEnd type="none" len="sm" w="sm"/>
+          </a:ln>
+        </p:spPr>
+      </p:sp>
+      <p:sp>
+        <p:nvSpPr>
+          <p:cNvPr name="TextBox 7" id="7"/>
+          <p:cNvSpPr txBox="true"/>
+          <p:nvPr/>
+        </p:nvSpPr>
+        <p:spPr>
+          <a:xfrm rot="0">
+            <a:off x="4078453" y="5083810"/>
+            <a:ext cx="10131094" cy="1228725"/>
+          </a:xfrm>
+          <a:prstGeom prst="rect">
+            <a:avLst/>
+          </a:prstGeom>
+        </p:spPr>
+        <p:txBody>
+          <a:bodyPr anchor="t" rtlCol="false" tIns="0" lIns="0" bIns="0" rIns="0">
+            <a:spAutoFit/>
+          </a:bodyPr>
+          <a:lstStyle/>
+          <a:p>
+            <a:pPr algn="l" marL="0" indent="0" lvl="0">
+              <a:lnSpc>
+                <a:spcPts val="9600"/>
+              </a:lnSpc>
+              <a:spcBef>
+                <a:spcPct val="0"/>
+              </a:spcBef>
+            </a:pPr>
+            <a:r>
+              <a:rPr lang="en-US" b="true" sz="8000" spc="464">
+                <a:solidFill>
+                  <a:srgbClr val="000000"/>
+                </a:solidFill>
+                <a:latin typeface="Anonymous Pro Bold"/>
+                <a:ea typeface="Anonymous Pro Bold"/>
+                <a:cs typeface="Anonymous Pro Bold"/>
+                <a:sym typeface="Anonymous Pro Bold"/>
+              </a:rPr>
+              <a:t>FRAGILIDADES</a:t>
+            </a:r>
+          </a:p>
+        </p:txBody>
+      </p:sp>
+      <p:sp>
+        <p:nvSpPr>
+          <p:cNvPr name="TextBox 8" id="8"/>
+          <p:cNvSpPr txBox="true"/>
+          <p:nvPr/>
+        </p:nvSpPr>
+        <p:spPr>
+          <a:xfrm rot="0">
+            <a:off x="4700133" y="6598285"/>
+            <a:ext cx="9742247" cy="1960245"/>
+          </a:xfrm>
+          <a:prstGeom prst="rect">
+            <a:avLst/>
+          </a:prstGeom>
+        </p:spPr>
+        <p:txBody>
+          <a:bodyPr anchor="t" rtlCol="false" tIns="0" lIns="0" bIns="0" rIns="0">
+            <a:spAutoFit/>
+          </a:bodyPr>
+          <a:lstStyle/>
+          <a:p>
+            <a:pPr algn="just" marL="874395" indent="-437197" lvl="1">
+              <a:lnSpc>
+                <a:spcPts val="8100"/>
+              </a:lnSpc>
+              <a:buFont typeface="Arial"/>
+              <a:buChar char="•"/>
+            </a:pPr>
+            <a:r>
+              <a:rPr lang="en-US" sz="4050">
+                <a:solidFill>
+                  <a:srgbClr val="000000"/>
+                </a:solidFill>
+                <a:latin typeface="Clear Sans Thin"/>
+                <a:ea typeface="Clear Sans Thin"/>
+                <a:cs typeface="Clear Sans Thin"/>
+                <a:sym typeface="Clear Sans Thin"/>
+              </a:rPr>
+              <a:t>Falta de validação dos dados</a:t>
+            </a:r>
+          </a:p>
+          <a:p>
+            <a:pPr algn="just" marL="874395" indent="-437197" lvl="1">
+              <a:lnSpc>
+                <a:spcPts val="8100"/>
+              </a:lnSpc>
+              <a:buFont typeface="Arial"/>
+              <a:buChar char="•"/>
+            </a:pPr>
+            <a:r>
+              <a:rPr lang="en-US" sz="4050">
+                <a:solidFill>
+                  <a:srgbClr val="000000"/>
+                </a:solidFill>
+                <a:latin typeface="Clear Sans Thin"/>
+                <a:ea typeface="Clear Sans Thin"/>
+                <a:cs typeface="Clear Sans Thin"/>
+                <a:sym typeface="Clear Sans Thin"/>
+              </a:rPr>
+              <a:t>Redundância na verificação de hazards</a:t>
+            </a:r>
+          </a:p>
+        </p:txBody>
+      </p:sp>
+    </p:spTree>
+  </p:cSld>
+  <p:clrMapOvr>
+    <a:masterClrMapping/>
+  </p:clrMapOvr>
+</p:sld>
+</file>
+
 <file path=ppt/slides/slide2.xml><?xml version="1.0" encoding="utf-8"?>
 <p:sld xmlns:p="http://schemas.openxmlformats.org/presentationml/2006/main" xmlns:a="http://schemas.openxmlformats.org/drawingml/2006/main" xmlns:r="http://schemas.openxmlformats.org/officeDocument/2006/relationships">
   <p:cSld>
